--- a/3.项目ppt/需求工作（1）.pptx
+++ b/3.项目ppt/需求工作（1）.pptx
@@ -3,28 +3,30 @@
 <p:presentation xmlns:a="http://schemas.openxmlformats.org/drawingml/2006/main" xmlns:r="http://schemas.openxmlformats.org/officeDocument/2006/relationships" xmlns:p="http://schemas.openxmlformats.org/presentationml/2006/main" autoCompressPictures="0">
   <p:sldMasterIdLst>
     <p:sldMasterId id="2147483648" r:id="rId1"/>
-    <p:sldMasterId id="2147483660" r:id="rId3"/>
+    <p:sldMasterId id="2147483660" r:id="rId2"/>
   </p:sldMasterIdLst>
   <p:notesMasterIdLst>
-    <p:notesMasterId r:id="rId7"/>
+    <p:notesMasterId r:id="rId23"/>
   </p:notesMasterIdLst>
   <p:sldIdLst>
-    <p:sldId id="280" r:id="rId4"/>
-    <p:sldId id="293" r:id="rId5"/>
-    <p:sldId id="282" r:id="rId6"/>
-    <p:sldId id="316" r:id="rId8"/>
-    <p:sldId id="317" r:id="rId9"/>
-    <p:sldId id="284" r:id="rId10"/>
-    <p:sldId id="318" r:id="rId11"/>
-    <p:sldId id="319" r:id="rId12"/>
-    <p:sldId id="327" r:id="rId13"/>
-    <p:sldId id="320" r:id="rId14"/>
-    <p:sldId id="330" r:id="rId15"/>
-    <p:sldId id="326" r:id="rId16"/>
-    <p:sldId id="324" r:id="rId17"/>
-    <p:sldId id="331" r:id="rId18"/>
-    <p:sldId id="325" r:id="rId19"/>
-    <p:sldId id="321" r:id="rId20"/>
+    <p:sldId id="280" r:id="rId3"/>
+    <p:sldId id="293" r:id="rId4"/>
+    <p:sldId id="282" r:id="rId5"/>
+    <p:sldId id="316" r:id="rId6"/>
+    <p:sldId id="317" r:id="rId7"/>
+    <p:sldId id="284" r:id="rId8"/>
+    <p:sldId id="318" r:id="rId9"/>
+    <p:sldId id="319" r:id="rId10"/>
+    <p:sldId id="327" r:id="rId11"/>
+    <p:sldId id="320" r:id="rId12"/>
+    <p:sldId id="330" r:id="rId13"/>
+    <p:sldId id="326" r:id="rId14"/>
+    <p:sldId id="324" r:id="rId15"/>
+    <p:sldId id="331" r:id="rId16"/>
+    <p:sldId id="321" r:id="rId17"/>
+    <p:sldId id="334" r:id="rId18"/>
+    <p:sldId id="333" r:id="rId19"/>
+    <p:sldId id="332" r:id="rId20"/>
     <p:sldId id="323" r:id="rId21"/>
     <p:sldId id="292" r:id="rId22"/>
   </p:sldIdLst>
@@ -125,6 +127,11 @@
       </a:defRPr>
     </a:lvl9pPr>
   </p:defaultTextStyle>
+  <p:extLst>
+    <p:ext uri="{EFAFB233-063F-42B5-8137-9DF3F51BA10A}">
+      <p15:sldGuideLst xmlns:p15="http://schemas.microsoft.com/office/powerpoint/2012/main"/>
+    </p:ext>
+  </p:extLst>
 </p:presentation>
 </file>
 
@@ -210,6 +217,7 @@
           <a:p>
             <a:fld id="{CC35DC29-DDAA-423A-A28B-AF44C4DCFC23}" type="datetimeFigureOut">
               <a:rPr lang="zh-CN" altLang="en-US" smtClean="0"/>
+              <a:t>2017/3/28</a:t>
             </a:fld>
             <a:endParaRPr lang="zh-CN" altLang="en-US"/>
           </a:p>
@@ -276,7 +284,6 @@
               <a:rPr lang="zh-CN" altLang="en-US"/>
               <a:t>编辑母版文本样式</a:t>
             </a:r>
-            <a:endParaRPr lang="zh-CN" altLang="en-US"/>
           </a:p>
           <a:p>
             <a:pPr lvl="1"/>
@@ -284,7 +291,6 @@
               <a:rPr lang="zh-CN" altLang="en-US"/>
               <a:t>第二级</a:t>
             </a:r>
-            <a:endParaRPr lang="zh-CN" altLang="en-US"/>
           </a:p>
           <a:p>
             <a:pPr lvl="2"/>
@@ -292,7 +298,6 @@
               <a:rPr lang="zh-CN" altLang="en-US"/>
               <a:t>第三级</a:t>
             </a:r>
-            <a:endParaRPr lang="zh-CN" altLang="en-US"/>
           </a:p>
           <a:p>
             <a:pPr lvl="3"/>
@@ -300,7 +305,6 @@
               <a:rPr lang="zh-CN" altLang="en-US"/>
               <a:t>第四级</a:t>
             </a:r>
-            <a:endParaRPr lang="zh-CN" altLang="en-US"/>
           </a:p>
           <a:p>
             <a:pPr lvl="4"/>
@@ -308,7 +312,6 @@
               <a:rPr lang="zh-CN" altLang="en-US"/>
               <a:t>第五级</a:t>
             </a:r>
-            <a:endParaRPr lang="zh-CN" altLang="en-US"/>
           </a:p>
         </p:txBody>
       </p:sp>
@@ -372,6 +375,7 @@
           <a:p>
             <a:fld id="{3B428E25-A374-47B0-9ACA-DD4102E86334}" type="slidenum">
               <a:rPr lang="zh-CN" altLang="en-US" smtClean="0"/>
+              <a:t>‹#›</a:t>
             </a:fld>
             <a:endParaRPr lang="zh-CN" altLang="en-US"/>
           </a:p>
@@ -540,6 +544,7 @@
           <a:p>
             <a:fld id="{3B428E25-A374-47B0-9ACA-DD4102E86334}" type="slidenum">
               <a:rPr lang="zh-CN" altLang="en-US" smtClean="0"/>
+              <a:t>3</a:t>
             </a:fld>
             <a:endParaRPr lang="zh-CN" altLang="en-US"/>
           </a:p>
@@ -618,6 +623,7 @@
           <a:p>
             <a:fld id="{3B428E25-A374-47B0-9ACA-DD4102E86334}" type="slidenum">
               <a:rPr lang="zh-CN" altLang="en-US" smtClean="0"/>
+              <a:t>14</a:t>
             </a:fld>
             <a:endParaRPr lang="zh-CN" altLang="en-US"/>
           </a:p>
@@ -675,42 +681,7 @@
           <a:bodyPr/>
           <a:lstStyle/>
           <a:p>
-            <a:pPr marL="0" marR="0" indent="0" algn="l" defTabSz="914400" rtl="0" eaLnBrk="1" fontAlgn="auto" latinLnBrk="0" hangingPunct="1">
-              <a:lnSpc>
-                <a:spcPct val="100000"/>
-              </a:lnSpc>
-              <a:spcBef>
-                <a:spcPts val="0"/>
-              </a:spcBef>
-              <a:spcAft>
-                <a:spcPts val="0"/>
-              </a:spcAft>
-              <a:buClrTx/>
-              <a:buSzTx/>
-              <a:buFontTx/>
-              <a:buNone/>
-              <a:defRPr/>
-            </a:pPr>
-            <a:endParaRPr lang="zh-CN" altLang="en-US" sz="3600" dirty="0"/>
-          </a:p>
-          <a:p>
-            <a:pPr marL="0" marR="0" indent="0" algn="l" defTabSz="914400" rtl="0" eaLnBrk="1" fontAlgn="auto" latinLnBrk="0" hangingPunct="1">
-              <a:lnSpc>
-                <a:spcPct val="100000"/>
-              </a:lnSpc>
-              <a:spcBef>
-                <a:spcPts val="0"/>
-              </a:spcBef>
-              <a:spcAft>
-                <a:spcPts val="0"/>
-              </a:spcAft>
-              <a:buClrTx/>
-              <a:buSzTx/>
-              <a:buFontTx/>
-              <a:buNone/>
-              <a:defRPr/>
-            </a:pPr>
-            <a:endParaRPr lang="zh-CN" altLang="en-US" sz="3600" dirty="0"/>
+            <a:endParaRPr lang="zh-CN" altLang="en-US" dirty="0"/>
           </a:p>
         </p:txBody>
       </p:sp>
@@ -731,12 +702,18 @@
           <a:p>
             <a:fld id="{3B428E25-A374-47B0-9ACA-DD4102E86334}" type="slidenum">
               <a:rPr lang="zh-CN" altLang="en-US" smtClean="0"/>
+              <a:t>16</a:t>
             </a:fld>
             <a:endParaRPr lang="zh-CN" altLang="en-US"/>
           </a:p>
         </p:txBody>
       </p:sp>
     </p:spTree>
+    <p:extLst>
+      <p:ext uri="{BB962C8B-B14F-4D97-AF65-F5344CB8AC3E}">
+        <p14:creationId xmlns:p14="http://schemas.microsoft.com/office/powerpoint/2010/main" val="3806611955"/>
+      </p:ext>
+    </p:extLst>
   </p:cSld>
   <p:clrMapOvr>
     <a:masterClrMapping/>
@@ -809,6 +786,175 @@
           <a:p>
             <a:fld id="{3B428E25-A374-47B0-9ACA-DD4102E86334}" type="slidenum">
               <a:rPr lang="zh-CN" altLang="en-US" smtClean="0"/>
+              <a:t>17</a:t>
+            </a:fld>
+            <a:endParaRPr lang="zh-CN" altLang="en-US"/>
+          </a:p>
+        </p:txBody>
+      </p:sp>
+    </p:spTree>
+    <p:extLst>
+      <p:ext uri="{BB962C8B-B14F-4D97-AF65-F5344CB8AC3E}">
+        <p14:creationId xmlns:p14="http://schemas.microsoft.com/office/powerpoint/2010/main" val="3667937588"/>
+      </p:ext>
+    </p:extLst>
+  </p:cSld>
+  <p:clrMapOvr>
+    <a:masterClrMapping/>
+  </p:clrMapOvr>
+</p:notes>
+</file>
+
+<file path=ppt/notesSlides/notesSlide13.xml><?xml version="1.0" encoding="utf-8"?>
+<p:notes xmlns:a="http://schemas.openxmlformats.org/drawingml/2006/main" xmlns:r="http://schemas.openxmlformats.org/officeDocument/2006/relationships" xmlns:p="http://schemas.openxmlformats.org/presentationml/2006/main">
+  <p:cSld>
+    <p:spTree>
+      <p:nvGrpSpPr>
+        <p:cNvPr id="1" name=""/>
+        <p:cNvGrpSpPr/>
+        <p:nvPr/>
+      </p:nvGrpSpPr>
+      <p:grpSpPr>
+        <a:xfrm>
+          <a:off x="0" y="0"/>
+          <a:ext cx="0" cy="0"/>
+          <a:chOff x="0" y="0"/>
+          <a:chExt cx="0" cy="0"/>
+        </a:xfrm>
+      </p:grpSpPr>
+      <p:sp>
+        <p:nvSpPr>
+          <p:cNvPr id="2" name="幻灯片图像占位符 1"/>
+          <p:cNvSpPr>
+            <a:spLocks noGrp="1" noRot="1" noChangeAspect="1"/>
+          </p:cNvSpPr>
+          <p:nvPr>
+            <p:ph type="sldImg"/>
+          </p:nvPr>
+        </p:nvSpPr>
+        <p:spPr/>
+      </p:sp>
+      <p:sp>
+        <p:nvSpPr>
+          <p:cNvPr id="3" name="备注占位符 2"/>
+          <p:cNvSpPr>
+            <a:spLocks noGrp="1"/>
+          </p:cNvSpPr>
+          <p:nvPr>
+            <p:ph type="body" idx="1"/>
+          </p:nvPr>
+        </p:nvSpPr>
+        <p:spPr/>
+        <p:txBody>
+          <a:bodyPr/>
+          <a:lstStyle/>
+          <a:p>
+            <a:endParaRPr lang="zh-CN" altLang="en-US" dirty="0"/>
+          </a:p>
+        </p:txBody>
+      </p:sp>
+      <p:sp>
+        <p:nvSpPr>
+          <p:cNvPr id="4" name="灯片编号占位符 3"/>
+          <p:cNvSpPr>
+            <a:spLocks noGrp="1"/>
+          </p:cNvSpPr>
+          <p:nvPr>
+            <p:ph type="sldNum" sz="quarter" idx="10"/>
+          </p:nvPr>
+        </p:nvSpPr>
+        <p:spPr/>
+        <p:txBody>
+          <a:bodyPr/>
+          <a:lstStyle/>
+          <a:p>
+            <a:fld id="{3B428E25-A374-47B0-9ACA-DD4102E86334}" type="slidenum">
+              <a:rPr lang="zh-CN" altLang="en-US" smtClean="0"/>
+              <a:t>18</a:t>
+            </a:fld>
+            <a:endParaRPr lang="zh-CN" altLang="en-US"/>
+          </a:p>
+        </p:txBody>
+      </p:sp>
+    </p:spTree>
+    <p:extLst>
+      <p:ext uri="{BB962C8B-B14F-4D97-AF65-F5344CB8AC3E}">
+        <p14:creationId xmlns:p14="http://schemas.microsoft.com/office/powerpoint/2010/main" val="2626184393"/>
+      </p:ext>
+    </p:extLst>
+  </p:cSld>
+  <p:clrMapOvr>
+    <a:masterClrMapping/>
+  </p:clrMapOvr>
+</p:notes>
+</file>
+
+<file path=ppt/notesSlides/notesSlide14.xml><?xml version="1.0" encoding="utf-8"?>
+<p:notes xmlns:a="http://schemas.openxmlformats.org/drawingml/2006/main" xmlns:r="http://schemas.openxmlformats.org/officeDocument/2006/relationships" xmlns:p="http://schemas.openxmlformats.org/presentationml/2006/main">
+  <p:cSld>
+    <p:spTree>
+      <p:nvGrpSpPr>
+        <p:cNvPr id="1" name=""/>
+        <p:cNvGrpSpPr/>
+        <p:nvPr/>
+      </p:nvGrpSpPr>
+      <p:grpSpPr>
+        <a:xfrm>
+          <a:off x="0" y="0"/>
+          <a:ext cx="0" cy="0"/>
+          <a:chOff x="0" y="0"/>
+          <a:chExt cx="0" cy="0"/>
+        </a:xfrm>
+      </p:grpSpPr>
+      <p:sp>
+        <p:nvSpPr>
+          <p:cNvPr id="2" name="幻灯片图像占位符 1"/>
+          <p:cNvSpPr>
+            <a:spLocks noGrp="1" noRot="1" noChangeAspect="1"/>
+          </p:cNvSpPr>
+          <p:nvPr>
+            <p:ph type="sldImg"/>
+          </p:nvPr>
+        </p:nvSpPr>
+        <p:spPr/>
+      </p:sp>
+      <p:sp>
+        <p:nvSpPr>
+          <p:cNvPr id="3" name="备注占位符 2"/>
+          <p:cNvSpPr>
+            <a:spLocks noGrp="1"/>
+          </p:cNvSpPr>
+          <p:nvPr>
+            <p:ph type="body" idx="1"/>
+          </p:nvPr>
+        </p:nvSpPr>
+        <p:spPr/>
+        <p:txBody>
+          <a:bodyPr/>
+          <a:lstStyle/>
+          <a:p>
+            <a:endParaRPr lang="zh-CN" altLang="en-US" dirty="0"/>
+          </a:p>
+        </p:txBody>
+      </p:sp>
+      <p:sp>
+        <p:nvSpPr>
+          <p:cNvPr id="4" name="灯片编号占位符 3"/>
+          <p:cNvSpPr>
+            <a:spLocks noGrp="1"/>
+          </p:cNvSpPr>
+          <p:nvPr>
+            <p:ph type="sldNum" sz="quarter" idx="10"/>
+          </p:nvPr>
+        </p:nvSpPr>
+        <p:spPr/>
+        <p:txBody>
+          <a:bodyPr/>
+          <a:lstStyle/>
+          <a:p>
+            <a:fld id="{3B428E25-A374-47B0-9ACA-DD4102E86334}" type="slidenum">
+              <a:rPr lang="zh-CN" altLang="en-US" smtClean="0"/>
+              <a:t>19</a:t>
             </a:fld>
             <a:endParaRPr lang="zh-CN" altLang="en-US"/>
           </a:p>
@@ -887,6 +1033,7 @@
           <a:p>
             <a:fld id="{3B428E25-A374-47B0-9ACA-DD4102E86334}" type="slidenum">
               <a:rPr lang="zh-CN" altLang="en-US" smtClean="0"/>
+              <a:t>4</a:t>
             </a:fld>
             <a:endParaRPr lang="zh-CN" altLang="en-US"/>
           </a:p>
@@ -973,16 +1120,6 @@
               </a:rPr>
               <a:t>与上述工作相比，我们利用已有的算法，采用机器学习方法，在模型上进行改进，除了准确率外，将时间作为衡量模型的指标之一，我们的二级模型可以在时间与准确率维持一个平衡，节省了时间开销，同时能够更好适应大数据和实时监测的需要。并且采用了更新更好的数据集，异常样本和攻击种类多，实验的可靠性更高。</a:t>
             </a:r>
-            <a:endParaRPr lang="zh-CN" altLang="en-US" dirty="0">
-              <a:solidFill>
-                <a:srgbClr val="000000">
-                  <a:lumMod val="50000"/>
-                  <a:lumOff val="50000"/>
-                </a:srgbClr>
-              </a:solidFill>
-              <a:latin typeface="微软雅黑" panose="020B0503020204020204" charset="-122"/>
-              <a:ea typeface="微软雅黑" panose="020B0503020204020204" charset="-122"/>
-            </a:endParaRPr>
           </a:p>
           <a:p>
             <a:endParaRPr lang="zh-CN" altLang="en-US" dirty="0"/>
@@ -1006,6 +1143,7 @@
           <a:p>
             <a:fld id="{3B428E25-A374-47B0-9ACA-DD4102E86334}" type="slidenum">
               <a:rPr lang="zh-CN" altLang="en-US" smtClean="0"/>
+              <a:t>6</a:t>
             </a:fld>
             <a:endParaRPr lang="zh-CN" altLang="en-US"/>
           </a:p>
@@ -1084,6 +1222,7 @@
           <a:p>
             <a:fld id="{3B428E25-A374-47B0-9ACA-DD4102E86334}" type="slidenum">
               <a:rPr lang="zh-CN" altLang="en-US" smtClean="0"/>
+              <a:t>7</a:t>
             </a:fld>
             <a:endParaRPr lang="zh-CN" altLang="en-US"/>
           </a:p>
@@ -1162,6 +1301,7 @@
           <a:p>
             <a:fld id="{3B428E25-A374-47B0-9ACA-DD4102E86334}" type="slidenum">
               <a:rPr lang="zh-CN" altLang="en-US" smtClean="0"/>
+              <a:t>8</a:t>
             </a:fld>
             <a:endParaRPr lang="zh-CN" altLang="en-US"/>
           </a:p>
@@ -1240,6 +1380,7 @@
           <a:p>
             <a:fld id="{3B428E25-A374-47B0-9ACA-DD4102E86334}" type="slidenum">
               <a:rPr lang="zh-CN" altLang="en-US" smtClean="0"/>
+              <a:t>9</a:t>
             </a:fld>
             <a:endParaRPr lang="zh-CN" altLang="en-US"/>
           </a:p>
@@ -1318,6 +1459,7 @@
           <a:p>
             <a:fld id="{3B428E25-A374-47B0-9ACA-DD4102E86334}" type="slidenum">
               <a:rPr lang="zh-CN" altLang="en-US" smtClean="0"/>
+              <a:t>11</a:t>
             </a:fld>
             <a:endParaRPr lang="zh-CN" altLang="en-US"/>
           </a:p>
@@ -1396,6 +1538,7 @@
           <a:p>
             <a:fld id="{3B428E25-A374-47B0-9ACA-DD4102E86334}" type="slidenum">
               <a:rPr lang="zh-CN" altLang="en-US" smtClean="0"/>
+              <a:t>12</a:t>
             </a:fld>
             <a:endParaRPr lang="zh-CN" altLang="en-US"/>
           </a:p>
@@ -1474,6 +1617,7 @@
           <a:p>
             <a:fld id="{3B428E25-A374-47B0-9ACA-DD4102E86334}" type="slidenum">
               <a:rPr lang="zh-CN" altLang="en-US" smtClean="0"/>
+              <a:t>13</a:t>
             </a:fld>
             <a:endParaRPr lang="zh-CN" altLang="en-US"/>
           </a:p>
@@ -2010,20 +2154,6 @@
               </a:rPr>
               <a:t>标注</a:t>
             </a:r>
-            <a:endParaRPr kumimoji="0" lang="zh-CN" altLang="en-US" sz="1800" b="0" i="0" u="none" strike="noStrike" kern="0" cap="none" spc="0" normalizeH="0" baseline="0" noProof="0" dirty="0">
-              <a:ln>
-                <a:noFill/>
-              </a:ln>
-              <a:solidFill>
-                <a:srgbClr val="FFFFFF"/>
-              </a:solidFill>
-              <a:effectLst/>
-              <a:uLnTx/>
-              <a:uFillTx/>
-              <a:latin typeface="Segoe UI Light" panose="020B0502040204020203"/>
-              <a:ea typeface="微软雅黑" panose="020B0503020204020204" charset="-122"/>
-              <a:cs typeface="Segoe UI Light" panose="020B0502040204020203"/>
-            </a:endParaRPr>
           </a:p>
         </p:txBody>
       </p:sp>
@@ -2371,20 +2501,6 @@
               </a:rPr>
               <a:t>背景图片出处</a:t>
             </a:r>
-            <a:endParaRPr kumimoji="0" lang="zh-CN" altLang="en-US" sz="1400" b="0" i="0" u="none" strike="noStrike" kern="0" cap="none" spc="0" normalizeH="0" baseline="0" noProof="0" dirty="0">
-              <a:ln>
-                <a:noFill/>
-              </a:ln>
-              <a:solidFill>
-                <a:srgbClr val="FFFFFF"/>
-              </a:solidFill>
-              <a:effectLst/>
-              <a:uLnTx/>
-              <a:uFillTx/>
-              <a:latin typeface="Segoe UI Light" panose="020B0502040204020203"/>
-              <a:ea typeface="微软雅黑" panose="020B0503020204020204" charset="-122"/>
-              <a:cs typeface="Segoe UI Light" panose="020B0502040204020203"/>
-            </a:endParaRPr>
           </a:p>
           <a:p>
             <a:pPr marL="0" marR="0" lvl="0" indent="0" defTabSz="608965" eaLnBrk="1" fontAlgn="auto" latinLnBrk="0" hangingPunct="1">
@@ -2781,20 +2897,6 @@
               </a:rPr>
               <a:t>1.3</a:t>
             </a:r>
-            <a:endParaRPr kumimoji="0" lang="en-US" altLang="zh-CN" sz="1400" b="0" i="0" u="none" strike="noStrike" kern="0" cap="none" spc="0" normalizeH="0" baseline="0" noProof="0" dirty="0">
-              <a:ln>
-                <a:noFill/>
-              </a:ln>
-              <a:solidFill>
-                <a:srgbClr val="FFFFFF"/>
-              </a:solidFill>
-              <a:effectLst/>
-              <a:uLnTx/>
-              <a:uFillTx/>
-              <a:latin typeface="Segoe UI Light" panose="020B0502040204020203"/>
-              <a:ea typeface="微软雅黑" panose="020B0503020204020204" charset="-122"/>
-              <a:cs typeface="Segoe UI Light" panose="020B0502040204020203"/>
-            </a:endParaRPr>
           </a:p>
           <a:p>
             <a:pPr marL="0" marR="0" lvl="0" indent="0" defTabSz="608965" eaLnBrk="1" fontAlgn="auto" latinLnBrk="0" hangingPunct="1">
@@ -3364,20 +3466,6 @@
               </a:rPr>
               <a:t>不得被全部或部分的复制、传播、销售，否则将承担法律责任。</a:t>
             </a:r>
-            <a:endParaRPr kumimoji="0" lang="zh-CN" altLang="en-US" sz="1335" b="0" i="0" u="none" strike="noStrike" kern="1200" cap="none" spc="0" normalizeH="0" baseline="0" noProof="0" dirty="0">
-              <a:ln>
-                <a:noFill/>
-              </a:ln>
-              <a:solidFill>
-                <a:prstClr val="white"/>
-              </a:solidFill>
-              <a:effectLst/>
-              <a:uLnTx/>
-              <a:uFillTx/>
-              <a:latin typeface="Century Gothic" panose="020B0502020202020204"/>
-              <a:ea typeface="微软雅黑" panose="020B0503020204020204" charset="-122"/>
-              <a:cs typeface="+mn-cs"/>
-            </a:endParaRPr>
           </a:p>
         </p:txBody>
       </p:sp>
@@ -3513,17 +3601,6 @@
               </a:rPr>
               <a:t>背景图片素材</a:t>
             </a:r>
-            <a:endParaRPr lang="zh-CN" altLang="en-US" sz="1800" dirty="0">
-              <a:solidFill>
-                <a:schemeClr val="tx1">
-                  <a:lumMod val="75000"/>
-                  <a:lumOff val="25000"/>
-                </a:schemeClr>
-              </a:solidFill>
-              <a:latin typeface="Segoe UI Light" panose="020B0502040204020203"/>
-              <a:ea typeface="微软雅黑" panose="020B0503020204020204" charset="-122"/>
-              <a:cs typeface="Segoe UI Light" panose="020B0502040204020203"/>
-            </a:endParaRPr>
           </a:p>
         </p:txBody>
       </p:sp>
@@ -3689,19 +3766,6 @@
               </a:rPr>
               <a:t>获取更多优质模板（放映模式）</a:t>
             </a:r>
-            <a:endParaRPr kumimoji="1" lang="zh-CN" altLang="en-US" sz="1335" b="0" i="0" u="none" strike="noStrike" kern="0" cap="none" spc="0" normalizeH="0" baseline="0" noProof="0" dirty="0">
-              <a:ln>
-                <a:noFill/>
-              </a:ln>
-              <a:solidFill>
-                <a:srgbClr val="000000"/>
-              </a:solidFill>
-              <a:effectLst/>
-              <a:uLnTx/>
-              <a:uFillTx/>
-              <a:latin typeface="Century Gothic" panose="020B0502020202020204"/>
-              <a:ea typeface="微软雅黑" panose="020B0503020204020204" charset="-122"/>
-            </a:endParaRPr>
           </a:p>
         </p:txBody>
       </p:sp>
@@ -3742,13 +3806,13 @@
   <p:clrMapOvr>
     <a:masterClrMapping/>
   </p:clrMapOvr>
-  <mc:AlternateContent xmlns:mc="http://schemas.openxmlformats.org/markup-compatibility/2006">
-    <mc:Choice xmlns:p14="http://schemas.microsoft.com/office/powerpoint/2010/main" Requires="p14">
+  <mc:AlternateContent xmlns:mc="http://schemas.openxmlformats.org/markup-compatibility/2006" xmlns:p14="http://schemas.microsoft.com/office/powerpoint/2010/main">
+    <mc:Choice Requires="p14">
       <p:transition spd="med" p14:dur="700">
         <p:fade/>
       </p:transition>
     </mc:Choice>
-    <mc:Fallback>
+    <mc:Fallback xmlns="">
       <p:transition spd="med">
         <p:fade/>
       </p:transition>
@@ -3948,7 +4012,6 @@
               <a:rPr kumimoji="1" lang="zh-CN" altLang="en-US" dirty="0"/>
               <a:t>目录</a:t>
             </a:r>
-            <a:endParaRPr kumimoji="1" lang="zh-CN" altLang="en-US" dirty="0"/>
           </a:p>
         </p:txBody>
       </p:sp>
@@ -4515,7 +4578,6 @@
               <a:rPr kumimoji="1" lang="zh-CN" altLang="en-US" dirty="0"/>
               <a:t>目录</a:t>
             </a:r>
-            <a:endParaRPr kumimoji="1" lang="zh-CN" altLang="en-US" dirty="0"/>
           </a:p>
         </p:txBody>
       </p:sp>
@@ -5174,7 +5236,6 @@
               <a:rPr kumimoji="1" lang="zh-CN" altLang="en-US" dirty="0"/>
               <a:t>目录</a:t>
             </a:r>
-            <a:endParaRPr kumimoji="1" lang="zh-CN" altLang="en-US" dirty="0"/>
           </a:p>
         </p:txBody>
       </p:sp>
@@ -5924,7 +5985,6 @@
               <a:rPr kumimoji="1" lang="zh-CN" altLang="en-US" dirty="0"/>
               <a:t>目录</a:t>
             </a:r>
-            <a:endParaRPr kumimoji="1" lang="zh-CN" altLang="en-US" dirty="0"/>
           </a:p>
         </p:txBody>
       </p:sp>
@@ -7952,13 +8012,13 @@
   <p:clrMapOvr>
     <a:masterClrMapping/>
   </p:clrMapOvr>
-  <mc:AlternateContent xmlns:mc="http://schemas.openxmlformats.org/markup-compatibility/2006">
-    <mc:Choice xmlns:p14="http://schemas.microsoft.com/office/powerpoint/2010/main" Requires="p14">
+  <mc:AlternateContent xmlns:mc="http://schemas.openxmlformats.org/markup-compatibility/2006" xmlns:p14="http://schemas.microsoft.com/office/powerpoint/2010/main">
+    <mc:Choice Requires="p14">
       <p:transition spd="slow" p14:dur="800" advTm="6098">
         <p:circle/>
       </p:transition>
     </mc:Choice>
-    <mc:Fallback>
+    <mc:Fallback xmlns="">
       <p:transition spd="slow" advTm="6098">
         <p:circle/>
       </p:transition>
@@ -8003,7 +8063,6 @@
               <a:rPr kumimoji="1" lang="zh-CN" altLang="en-US" dirty="0"/>
               <a:t>需求规定</a:t>
             </a:r>
-            <a:endParaRPr kumimoji="1" lang="zh-CN" altLang="en-US" dirty="0"/>
           </a:p>
         </p:txBody>
       </p:sp>
@@ -8244,13 +8303,13 @@
   <p:clrMapOvr>
     <a:masterClrMapping/>
   </p:clrMapOvr>
-  <mc:AlternateContent xmlns:mc="http://schemas.openxmlformats.org/markup-compatibility/2006">
-    <mc:Choice xmlns:p14="http://schemas.microsoft.com/office/powerpoint/2010/main" Requires="p14">
+  <mc:AlternateContent xmlns:mc="http://schemas.openxmlformats.org/markup-compatibility/2006" xmlns:p14="http://schemas.microsoft.com/office/powerpoint/2010/main">
+    <mc:Choice Requires="p14">
       <p:transition spd="med" p14:dur="700">
         <p:fade/>
       </p:transition>
     </mc:Choice>
-    <mc:Fallback>
+    <mc:Fallback xmlns="">
       <p:transition spd="med">
         <p:fade/>
       </p:transition>
@@ -8285,7 +8344,7 @@
           <p:nvPr/>
         </p:nvPicPr>
         <p:blipFill>
-          <a:blip r:embed="rId1">
+          <a:blip r:embed="rId3">
             <a:extLst>
               <a:ext uri="{28A0092B-C50C-407E-A947-70E740481C1C}">
                 <a14:useLocalDpi xmlns:a14="http://schemas.microsoft.com/office/drawing/2010/main" val="0"/>
@@ -8364,7 +8423,7 @@
                 <a:latin typeface="+mn-ea"/>
                 <a:cs typeface="Times New Roman" panose="02020603050405020304" pitchFamily="18" charset="0"/>
               </a:rPr>
-              <a:t>主要功能需求</a:t>
+              <a:t>功能需求（一）</a:t>
             </a:r>
             <a:endParaRPr lang="zh-CN" altLang="zh-CN" sz="2400" kern="100" dirty="0">
               <a:latin typeface="+mn-ea"/>
@@ -8697,13 +8756,13 @@
   <p:clrMapOvr>
     <a:masterClrMapping/>
   </p:clrMapOvr>
-  <mc:AlternateContent xmlns:mc="http://schemas.openxmlformats.org/markup-compatibility/2006">
-    <mc:Choice xmlns:p14="http://schemas.microsoft.com/office/powerpoint/2010/main" Requires="p14">
+  <mc:AlternateContent xmlns:mc="http://schemas.openxmlformats.org/markup-compatibility/2006" xmlns:p14="http://schemas.microsoft.com/office/powerpoint/2010/main">
+    <mc:Choice Requires="p14">
       <p:transition spd="med" p14:dur="700">
         <p:fade/>
       </p:transition>
     </mc:Choice>
-    <mc:Fallback>
+    <mc:Fallback xmlns="">
       <p:transition spd="med">
         <p:fade/>
       </p:transition>
@@ -8763,7 +8822,7 @@
                 <a:latin typeface="+mn-ea"/>
                 <a:cs typeface="Times New Roman" panose="02020603050405020304" pitchFamily="18" charset="0"/>
               </a:rPr>
-              <a:t>其他功能需求</a:t>
+              <a:t>功能需求（二）</a:t>
             </a:r>
             <a:endParaRPr lang="zh-CN" altLang="zh-CN" sz="2400" kern="100" dirty="0">
               <a:latin typeface="+mn-ea"/>
@@ -8781,7 +8840,7 @@
         <p:spPr>
           <a:xfrm>
             <a:off x="1162879" y="1659697"/>
-            <a:ext cx="9849678" cy="352425"/>
+            <a:ext cx="9849678" cy="2739211"/>
           </a:xfrm>
           <a:prstGeom prst="rect">
             <a:avLst/>
@@ -8793,6 +8852,29 @@
           </a:bodyPr>
           <a:lstStyle/>
           <a:p>
+            <a:pPr marL="285750" lvl="0" indent="-285750" algn="just">
+              <a:spcBef>
+                <a:spcPts val="1200"/>
+              </a:spcBef>
+              <a:spcAft>
+                <a:spcPts val="0"/>
+              </a:spcAft>
+              <a:buFont typeface="Arial" panose="020B0604020202020204" pitchFamily="34" charset="0"/>
+              <a:buChar char="•"/>
+            </a:pPr>
+            <a:r>
+              <a:rPr lang="zh-CN" altLang="en-US" sz="1600" kern="100" dirty="0">
+                <a:latin typeface="+mn-ea"/>
+                <a:cs typeface="Times New Roman" panose="02020603050405020304" pitchFamily="18" charset="0"/>
+              </a:rPr>
+              <a:t>扩展机制</a:t>
+            </a:r>
+            <a:endParaRPr lang="en-US" altLang="zh-CN" sz="1600" kern="100" dirty="0">
+              <a:latin typeface="+mn-ea"/>
+              <a:cs typeface="Times New Roman" panose="02020603050405020304" pitchFamily="18" charset="0"/>
+            </a:endParaRPr>
+          </a:p>
+          <a:p>
             <a:pPr lvl="0" algn="just">
               <a:spcBef>
                 <a:spcPts val="1200"/>
@@ -8806,12 +8888,119 @@
                 <a:latin typeface="+mn-ea"/>
                 <a:cs typeface="Times New Roman" panose="02020603050405020304" pitchFamily="18" charset="0"/>
               </a:rPr>
-              <a:t>扩展机制、设置功能、异常处理功能、各类中间件等</a:t>
-            </a:r>
-            <a:endParaRPr lang="zh-CN" altLang="en-US" sz="1600" kern="100" dirty="0">
+              <a:t>除去系统自身提供的功能，还允许开发者自由扩展更多的功能、组件</a:t>
+            </a:r>
+            <a:endParaRPr lang="en-US" altLang="zh-CN" sz="1600" kern="100" dirty="0">
               <a:latin typeface="+mn-ea"/>
               <a:cs typeface="Times New Roman" panose="02020603050405020304" pitchFamily="18" charset="0"/>
             </a:endParaRPr>
+          </a:p>
+          <a:p>
+            <a:pPr marL="285750" lvl="0" indent="-285750" algn="just">
+              <a:spcBef>
+                <a:spcPts val="1200"/>
+              </a:spcBef>
+              <a:spcAft>
+                <a:spcPts val="0"/>
+              </a:spcAft>
+              <a:buFont typeface="Arial" panose="020B0604020202020204" pitchFamily="34" charset="0"/>
+              <a:buChar char="•"/>
+            </a:pPr>
+            <a:r>
+              <a:rPr lang="zh-CN" altLang="en-US" sz="1600" kern="100" dirty="0">
+                <a:latin typeface="+mn-ea"/>
+                <a:cs typeface="Times New Roman" panose="02020603050405020304" pitchFamily="18" charset="0"/>
+              </a:rPr>
+              <a:t>设置功能</a:t>
+            </a:r>
+            <a:endParaRPr lang="en-US" altLang="zh-CN" sz="1600" kern="100" dirty="0">
+              <a:latin typeface="+mn-ea"/>
+              <a:cs typeface="Times New Roman" panose="02020603050405020304" pitchFamily="18" charset="0"/>
+            </a:endParaRPr>
+          </a:p>
+          <a:p>
+            <a:pPr lvl="0" algn="just">
+              <a:spcBef>
+                <a:spcPts val="1200"/>
+              </a:spcBef>
+              <a:spcAft>
+                <a:spcPts val="0"/>
+              </a:spcAft>
+            </a:pPr>
+            <a:r>
+              <a:rPr lang="zh-CN" altLang="en-US" sz="1600" kern="100" dirty="0">
+                <a:latin typeface="+mn-ea"/>
+                <a:cs typeface="Times New Roman" panose="02020603050405020304" pitchFamily="18" charset="0"/>
+              </a:rPr>
+              <a:t>在运行时，使得用户拥有选择运行模式的自由</a:t>
+            </a:r>
+            <a:endParaRPr lang="en-US" altLang="zh-CN" sz="1600" kern="100" dirty="0">
+              <a:latin typeface="+mn-ea"/>
+              <a:cs typeface="Times New Roman" panose="02020603050405020304" pitchFamily="18" charset="0"/>
+            </a:endParaRPr>
+          </a:p>
+          <a:p>
+            <a:pPr marL="285750" lvl="0" indent="-285750" algn="just">
+              <a:spcBef>
+                <a:spcPts val="1200"/>
+              </a:spcBef>
+              <a:spcAft>
+                <a:spcPts val="0"/>
+              </a:spcAft>
+              <a:buFont typeface="Arial" panose="020B0604020202020204" pitchFamily="34" charset="0"/>
+              <a:buChar char="•"/>
+            </a:pPr>
+            <a:r>
+              <a:rPr lang="zh-CN" altLang="en-US" sz="1600" kern="100" dirty="0">
+                <a:latin typeface="+mn-ea"/>
+                <a:cs typeface="Times New Roman" panose="02020603050405020304" pitchFamily="18" charset="0"/>
+              </a:rPr>
+              <a:t>异常处理功能</a:t>
+            </a:r>
+            <a:endParaRPr lang="en-US" altLang="zh-CN" sz="1600" kern="100" dirty="0">
+              <a:latin typeface="+mn-ea"/>
+              <a:cs typeface="Times New Roman" panose="02020603050405020304" pitchFamily="18" charset="0"/>
+            </a:endParaRPr>
+          </a:p>
+          <a:p>
+            <a:pPr lvl="0" algn="just">
+              <a:spcBef>
+                <a:spcPts val="1200"/>
+              </a:spcBef>
+              <a:spcAft>
+                <a:spcPts val="0"/>
+              </a:spcAft>
+            </a:pPr>
+            <a:r>
+              <a:rPr lang="zh-CN" altLang="en-US" sz="1600" kern="100" dirty="0">
+                <a:latin typeface="+mn-ea"/>
+                <a:cs typeface="Times New Roman" panose="02020603050405020304" pitchFamily="18" charset="0"/>
+              </a:rPr>
+              <a:t>当系统出现故障，能有拥有良好的应急处理机制</a:t>
+            </a:r>
+            <a:endParaRPr lang="en-US" altLang="zh-CN" sz="1600" kern="100" dirty="0">
+              <a:latin typeface="+mn-ea"/>
+              <a:cs typeface="Times New Roman" panose="02020603050405020304" pitchFamily="18" charset="0"/>
+            </a:endParaRPr>
+          </a:p>
+          <a:p>
+            <a:pPr marL="285750" lvl="0" indent="-285750" algn="just">
+              <a:spcBef>
+                <a:spcPts val="1200"/>
+              </a:spcBef>
+              <a:spcAft>
+                <a:spcPts val="0"/>
+              </a:spcAft>
+              <a:buFont typeface="Arial" panose="020B0604020202020204" pitchFamily="34" charset="0"/>
+              <a:buChar char="•"/>
+            </a:pPr>
+            <a:r>
+              <a:rPr lang="zh-CN" altLang="en-US" sz="1600" kern="100" dirty="0">
+                <a:latin typeface="+mn-ea"/>
+                <a:cs typeface="Times New Roman" panose="02020603050405020304" pitchFamily="18" charset="0"/>
+              </a:rPr>
+              <a:t>各类中间件等</a:t>
+            </a:r>
           </a:p>
         </p:txBody>
       </p:sp>
@@ -8820,13 +9009,13 @@
   <p:clrMapOvr>
     <a:masterClrMapping/>
   </p:clrMapOvr>
-  <mc:AlternateContent xmlns:mc="http://schemas.openxmlformats.org/markup-compatibility/2006">
-    <mc:Choice xmlns:p14="http://schemas.microsoft.com/office/powerpoint/2010/main" Requires="p14">
+  <mc:AlternateContent xmlns:mc="http://schemas.openxmlformats.org/markup-compatibility/2006" xmlns:p14="http://schemas.microsoft.com/office/powerpoint/2010/main">
+    <mc:Choice Requires="p14">
       <p:transition spd="med" p14:dur="700">
         <p:fade/>
       </p:transition>
     </mc:Choice>
-    <mc:Fallback>
+    <mc:Fallback xmlns="">
       <p:transition spd="med">
         <p:fade/>
       </p:transition>
@@ -8852,6 +9041,31 @@
           <a:chExt cx="0" cy="0"/>
         </a:xfrm>
       </p:grpSpPr>
+      <p:pic>
+        <p:nvPicPr>
+          <p:cNvPr id="4" name="图片 3"/>
+          <p:cNvPicPr>
+            <a:picLocks noChangeAspect="1"/>
+          </p:cNvPicPr>
+          <p:nvPr/>
+        </p:nvPicPr>
+        <p:blipFill rotWithShape="1">
+          <a:blip r:embed="rId3"/>
+          <a:srcRect l="68830" t="39363" r="20020" b="39553"/>
+          <a:stretch>
+            <a:fillRect/>
+          </a:stretch>
+        </p:blipFill>
+        <p:spPr>
+          <a:xfrm>
+            <a:off x="1850302" y="4191000"/>
+            <a:ext cx="1683745" cy="1683745"/>
+          </a:xfrm>
+          <a:prstGeom prst="ellipse">
+            <a:avLst/>
+          </a:prstGeom>
+        </p:spPr>
+      </p:pic>
       <p:sp>
         <p:nvSpPr>
           <p:cNvPr id="31" name="矩形 30"/>
@@ -8886,7 +9100,7 @@
                 <a:latin typeface="+mn-ea"/>
                 <a:cs typeface="Times New Roman" panose="02020603050405020304" pitchFamily="18" charset="0"/>
               </a:rPr>
-              <a:t>性能需求</a:t>
+              <a:t>非功能性需求</a:t>
             </a:r>
             <a:endParaRPr lang="zh-CN" altLang="zh-CN" sz="2400" kern="100" dirty="0">
               <a:latin typeface="+mn-ea"/>
@@ -8980,21 +9194,7 @@
                 <a:latin typeface="+mn-ea"/>
                 <a:cs typeface="Times New Roman" panose="02020603050405020304" pitchFamily="18" charset="0"/>
               </a:rPr>
-              <a:t>缓存、消息队列等功能框架需要提供可观的并发性，</a:t>
-            </a:r>
-            <a:r>
-              <a:rPr lang="zh-CN" altLang="en-US" sz="1600" kern="100">
-                <a:latin typeface="+mn-ea"/>
-                <a:cs typeface="Times New Roman" panose="02020603050405020304" pitchFamily="18" charset="0"/>
-              </a:rPr>
-              <a:t>可以基于事件驱动</a:t>
-            </a:r>
-            <a:r>
-              <a:rPr lang="zh-CN" altLang="en-US" sz="1600" kern="100" dirty="0">
-                <a:latin typeface="+mn-ea"/>
-                <a:cs typeface="Times New Roman" panose="02020603050405020304" pitchFamily="18" charset="0"/>
-              </a:rPr>
-              <a:t>网络框架 </a:t>
+              <a:t>缓存、消息队列等功能框架需要提供可观的并发性，可以基于事件驱动网络框架 </a:t>
             </a:r>
             <a:r>
               <a:rPr lang="en-US" altLang="zh-CN" sz="1600" kern="100" dirty="0">
@@ -9126,53 +9326,16 @@
           </a:p>
         </p:txBody>
       </p:sp>
-    </p:spTree>
-  </p:cSld>
-  <p:clrMapOvr>
-    <a:masterClrMapping/>
-  </p:clrMapOvr>
-  <mc:AlternateContent xmlns:mc="http://schemas.openxmlformats.org/markup-compatibility/2006">
-    <mc:Choice xmlns:p14="http://schemas.microsoft.com/office/powerpoint/2010/main" Requires="p14">
-      <p:transition spd="med" p14:dur="700">
-        <p:fade/>
-      </p:transition>
-    </mc:Choice>
-    <mc:Fallback>
-      <p:transition spd="med">
-        <p:fade/>
-      </p:transition>
-    </mc:Fallback>
-  </mc:AlternateContent>
-</p:sld>
-</file>
-
-<file path=ppt/slides/slide15.xml><?xml version="1.0" encoding="utf-8"?>
-<p:sld xmlns:a="http://schemas.openxmlformats.org/drawingml/2006/main" xmlns:r="http://schemas.openxmlformats.org/officeDocument/2006/relationships" xmlns:p="http://schemas.openxmlformats.org/presentationml/2006/main">
-  <p:cSld>
-    <p:spTree>
-      <p:nvGrpSpPr>
-        <p:cNvPr id="1" name=""/>
-        <p:cNvGrpSpPr/>
-        <p:nvPr/>
-      </p:nvGrpSpPr>
-      <p:grpSpPr>
-        <a:xfrm>
-          <a:off x="0" y="0"/>
-          <a:ext cx="0" cy="0"/>
-          <a:chOff x="0" y="0"/>
-          <a:chExt cx="0" cy="0"/>
-        </a:xfrm>
-      </p:grpSpPr>
       <p:pic>
         <p:nvPicPr>
-          <p:cNvPr id="104" name="图片 103"/>
+          <p:cNvPr id="5" name="图片 4"/>
           <p:cNvPicPr>
             <a:picLocks noChangeAspect="1"/>
           </p:cNvPicPr>
           <p:nvPr/>
         </p:nvPicPr>
         <p:blipFill rotWithShape="1">
-          <a:blip r:embed="rId1"/>
+          <a:blip r:embed="rId3"/>
           <a:srcRect l="68830" t="39363" r="20020" b="39553"/>
           <a:stretch>
             <a:fillRect/>
@@ -9180,8 +9343,8 @@
         </p:blipFill>
         <p:spPr>
           <a:xfrm>
-            <a:off x="937437" y="1368423"/>
-            <a:ext cx="2534711" cy="2534711"/>
+            <a:off x="3268402" y="5174255"/>
+            <a:ext cx="1683745" cy="1683745"/>
           </a:xfrm>
           <a:prstGeom prst="ellipse">
             <a:avLst/>
@@ -9190,14 +9353,14 @@
       </p:pic>
       <p:pic>
         <p:nvPicPr>
-          <p:cNvPr id="105" name="图片 104"/>
+          <p:cNvPr id="6" name="图片 5"/>
           <p:cNvPicPr>
             <a:picLocks noChangeAspect="1"/>
           </p:cNvPicPr>
           <p:nvPr/>
         </p:nvPicPr>
         <p:blipFill rotWithShape="1">
-          <a:blip r:embed="rId1"/>
+          <a:blip r:embed="rId3"/>
           <a:srcRect l="68830" t="39363" r="20020" b="39553"/>
           <a:stretch>
             <a:fillRect/>
@@ -9205,33 +9368,8 @@
         </p:blipFill>
         <p:spPr>
           <a:xfrm>
-            <a:off x="4828648" y="1368425"/>
-            <a:ext cx="2534711" cy="2534711"/>
-          </a:xfrm>
-          <a:prstGeom prst="ellipse">
-            <a:avLst/>
-          </a:prstGeom>
-        </p:spPr>
-      </p:pic>
-      <p:pic>
-        <p:nvPicPr>
-          <p:cNvPr id="106" name="图片 105"/>
-          <p:cNvPicPr>
-            <a:picLocks noChangeAspect="1"/>
-          </p:cNvPicPr>
-          <p:nvPr/>
-        </p:nvPicPr>
-        <p:blipFill rotWithShape="1">
-          <a:blip r:embed="rId1"/>
-          <a:srcRect l="68830" t="39363" r="20020" b="39553"/>
-          <a:stretch>
-            <a:fillRect/>
-          </a:stretch>
-        </p:blipFill>
-        <p:spPr>
-          <a:xfrm>
-            <a:off x="8719856" y="1368425"/>
-            <a:ext cx="2534711" cy="2534711"/>
+            <a:off x="9475699" y="5119327"/>
+            <a:ext cx="1683745" cy="1683745"/>
           </a:xfrm>
           <a:prstGeom prst="ellipse">
             <a:avLst/>
@@ -9240,28 +9378,28 @@
       </p:pic>
       <p:sp>
         <p:nvSpPr>
-          <p:cNvPr id="107" name="矩形 106"/>
+          <p:cNvPr id="7" name="矩形 6"/>
           <p:cNvSpPr/>
           <p:nvPr/>
         </p:nvSpPr>
         <p:spPr>
           <a:xfrm>
-            <a:off x="1577487" y="4055548"/>
-            <a:ext cx="1261885" cy="523220"/>
+            <a:off x="2171894" y="6026286"/>
+            <a:ext cx="838239" cy="338554"/>
           </a:xfrm>
           <a:prstGeom prst="rect">
             <a:avLst/>
           </a:prstGeom>
         </p:spPr>
         <p:txBody>
-          <a:bodyPr wrap="none">
+          <a:bodyPr wrap="square">
             <a:spAutoFit/>
           </a:bodyPr>
           <a:lstStyle/>
           <a:p>
             <a:pPr algn="ctr"/>
             <a:r>
-              <a:rPr lang="zh-CN" altLang="en-US" sz="2800" b="1" dirty="0">
+              <a:rPr lang="zh-CN" altLang="en-US" sz="1600" b="1" dirty="0">
                 <a:solidFill>
                   <a:srgbClr val="000000">
                     <a:lumMod val="85000"/>
@@ -9273,43 +9411,33 @@
               </a:rPr>
               <a:t>高效性</a:t>
             </a:r>
-            <a:endParaRPr lang="zh-CN" altLang="en-US" sz="2800" b="1" dirty="0">
-              <a:solidFill>
-                <a:srgbClr val="000000">
-                  <a:lumMod val="85000"/>
-                  <a:lumOff val="15000"/>
-                </a:srgbClr>
-              </a:solidFill>
-              <a:latin typeface="Segoe UI" panose="020B0502040204020203"/>
-              <a:ea typeface="微软雅黑" panose="020B0503020204020204" charset="-122"/>
-            </a:endParaRPr>
           </a:p>
         </p:txBody>
       </p:sp>
       <p:sp>
         <p:nvSpPr>
-          <p:cNvPr id="109" name="矩形 108"/>
+          <p:cNvPr id="8" name="矩形 7"/>
           <p:cNvSpPr/>
           <p:nvPr/>
         </p:nvSpPr>
         <p:spPr>
           <a:xfrm>
-            <a:off x="5465060" y="4055548"/>
-            <a:ext cx="1261885" cy="523220"/>
+            <a:off x="5020779" y="6016877"/>
+            <a:ext cx="838239" cy="338554"/>
           </a:xfrm>
           <a:prstGeom prst="rect">
             <a:avLst/>
           </a:prstGeom>
         </p:spPr>
         <p:txBody>
-          <a:bodyPr wrap="none">
+          <a:bodyPr wrap="square">
             <a:spAutoFit/>
           </a:bodyPr>
           <a:lstStyle/>
           <a:p>
             <a:pPr algn="ctr"/>
             <a:r>
-              <a:rPr lang="zh-CN" altLang="en-US" sz="2800" b="1" dirty="0">
+              <a:rPr lang="zh-CN" altLang="en-US" sz="1600" b="1" dirty="0">
                 <a:solidFill>
                   <a:srgbClr val="000000">
                     <a:lumMod val="85000"/>
@@ -9321,43 +9449,33 @@
               </a:rPr>
               <a:t>容错性</a:t>
             </a:r>
-            <a:endParaRPr lang="zh-CN" altLang="en-US" sz="2800" b="1" dirty="0">
-              <a:solidFill>
-                <a:srgbClr val="000000">
-                  <a:lumMod val="85000"/>
-                  <a:lumOff val="15000"/>
-                </a:srgbClr>
-              </a:solidFill>
-              <a:latin typeface="Segoe UI" panose="020B0502040204020203"/>
-              <a:ea typeface="微软雅黑" panose="020B0503020204020204" charset="-122"/>
-            </a:endParaRPr>
           </a:p>
         </p:txBody>
       </p:sp>
       <p:sp>
         <p:nvSpPr>
-          <p:cNvPr id="111" name="矩形 110"/>
+          <p:cNvPr id="9" name="矩形 8"/>
           <p:cNvSpPr/>
           <p:nvPr/>
         </p:nvSpPr>
         <p:spPr>
           <a:xfrm>
-            <a:off x="9173096" y="4055548"/>
-            <a:ext cx="1620958" cy="523220"/>
+            <a:off x="7404556" y="6016127"/>
+            <a:ext cx="1076762" cy="338554"/>
           </a:xfrm>
           <a:prstGeom prst="rect">
             <a:avLst/>
           </a:prstGeom>
         </p:spPr>
         <p:txBody>
-          <a:bodyPr wrap="none">
+          <a:bodyPr wrap="square">
             <a:spAutoFit/>
           </a:bodyPr>
           <a:lstStyle/>
           <a:p>
             <a:pPr algn="ctr"/>
             <a:r>
-              <a:rPr lang="zh-CN" altLang="en-US" sz="2800" b="1" dirty="0">
+              <a:rPr lang="zh-CN" altLang="en-US" sz="1600" b="1" dirty="0">
                 <a:solidFill>
                   <a:srgbClr val="000000">
                     <a:lumMod val="85000"/>
@@ -9369,22 +9487,12 @@
               </a:rPr>
               <a:t>可测试性</a:t>
             </a:r>
-            <a:endParaRPr lang="zh-CN" altLang="en-US" sz="2800" b="1" dirty="0">
-              <a:solidFill>
-                <a:srgbClr val="000000">
-                  <a:lumMod val="85000"/>
-                  <a:lumOff val="15000"/>
-                </a:srgbClr>
-              </a:solidFill>
-              <a:latin typeface="Segoe UI" panose="020B0502040204020203"/>
-              <a:ea typeface="微软雅黑" panose="020B0503020204020204" charset="-122"/>
-            </a:endParaRPr>
           </a:p>
         </p:txBody>
       </p:sp>
       <p:grpSp>
         <p:nvGrpSpPr>
-          <p:cNvPr id="113" name="Group 11"/>
+          <p:cNvPr id="10" name="Group 11"/>
           <p:cNvGrpSpPr>
             <a:grpSpLocks noChangeAspect="1"/>
           </p:cNvGrpSpPr>
@@ -9392,8 +9500,8 @@
         </p:nvGrpSpPr>
         <p:grpSpPr bwMode="auto">
           <a:xfrm>
-            <a:off x="5649895" y="2386502"/>
-            <a:ext cx="907983" cy="644667"/>
+            <a:off x="5109675" y="5213429"/>
+            <a:ext cx="603150" cy="428236"/>
             <a:chOff x="1407" y="1098"/>
             <a:chExt cx="800" cy="568"/>
           </a:xfrm>
@@ -9403,7 +9511,7 @@
         </p:grpSpPr>
         <p:sp>
           <p:nvSpPr>
-            <p:cNvPr id="114" name="Freeform 12"/>
+            <p:cNvPr id="11" name="Freeform 12"/>
             <p:cNvSpPr>
               <a:spLocks noEditPoints="1"/>
             </p:cNvSpPr>
@@ -9646,7 +9754,7 @@
         </p:sp>
         <p:sp>
           <p:nvSpPr>
-            <p:cNvPr id="115" name="Freeform 13"/>
+            <p:cNvPr id="12" name="Freeform 13"/>
             <p:cNvSpPr>
               <a:spLocks noEditPoints="1"/>
             </p:cNvSpPr>
@@ -9958,7 +10066,7 @@
         </p:sp>
         <p:sp>
           <p:nvSpPr>
-            <p:cNvPr id="116" name="Freeform 14"/>
+            <p:cNvPr id="13" name="Freeform 14"/>
             <p:cNvSpPr>
               <a:spLocks noEditPoints="1"/>
             </p:cNvSpPr>
@@ -10332,7 +10440,7 @@
         </p:sp>
         <p:sp>
           <p:nvSpPr>
-            <p:cNvPr id="117" name="Freeform 15"/>
+            <p:cNvPr id="14" name="Freeform 15"/>
             <p:cNvSpPr/>
             <p:nvPr/>
           </p:nvSpPr>
@@ -10477,7 +10585,7 @@
         </p:sp>
         <p:sp>
           <p:nvSpPr>
-            <p:cNvPr id="118" name="Freeform 16"/>
+            <p:cNvPr id="15" name="Freeform 16"/>
             <p:cNvSpPr/>
             <p:nvPr/>
           </p:nvSpPr>
@@ -10620,7 +10728,7 @@
         </p:sp>
         <p:sp>
           <p:nvSpPr>
-            <p:cNvPr id="119" name="Freeform 17"/>
+            <p:cNvPr id="16" name="Freeform 17"/>
             <p:cNvSpPr/>
             <p:nvPr/>
           </p:nvSpPr>
@@ -10765,7 +10873,7 @@
         </p:sp>
         <p:sp>
           <p:nvSpPr>
-            <p:cNvPr id="120" name="Freeform 18"/>
+            <p:cNvPr id="17" name="Freeform 18"/>
             <p:cNvSpPr/>
             <p:nvPr/>
           </p:nvSpPr>
@@ -10958,7 +11066,7 @@
         </p:sp>
         <p:sp>
           <p:nvSpPr>
-            <p:cNvPr id="121" name="Freeform 19"/>
+            <p:cNvPr id="18" name="Freeform 19"/>
             <p:cNvSpPr/>
             <p:nvPr/>
           </p:nvSpPr>
@@ -11164,7 +11272,7 @@
       </p:grpSp>
       <p:grpSp>
         <p:nvGrpSpPr>
-          <p:cNvPr id="122" name="Group 121"/>
+          <p:cNvPr id="19" name="Group 121"/>
           <p:cNvGrpSpPr>
             <a:grpSpLocks noChangeAspect="1"/>
           </p:cNvGrpSpPr>
@@ -11172,8 +11280,8 @@
         </p:nvGrpSpPr>
         <p:grpSpPr bwMode="auto">
           <a:xfrm>
-            <a:off x="1822611" y="2391041"/>
-            <a:ext cx="754759" cy="642396"/>
+            <a:off x="2304106" y="5217199"/>
+            <a:ext cx="501368" cy="426728"/>
             <a:chOff x="515" y="3088"/>
             <a:chExt cx="665" cy="566"/>
           </a:xfrm>
@@ -11183,7 +11291,7 @@
         </p:grpSpPr>
         <p:sp>
           <p:nvSpPr>
-            <p:cNvPr id="123" name="Freeform 122"/>
+            <p:cNvPr id="20" name="Freeform 122"/>
             <p:cNvSpPr/>
             <p:nvPr/>
           </p:nvSpPr>
@@ -11446,7 +11554,7 @@
         </p:sp>
         <p:sp>
           <p:nvSpPr>
-            <p:cNvPr id="124" name="Freeform 123"/>
+            <p:cNvPr id="21" name="Freeform 123"/>
             <p:cNvSpPr>
               <a:spLocks noEditPoints="1"/>
             </p:cNvSpPr>
@@ -11729,7 +11837,7 @@
         </p:sp>
         <p:sp>
           <p:nvSpPr>
-            <p:cNvPr id="125" name="Freeform 124"/>
+            <p:cNvPr id="22" name="Freeform 124"/>
             <p:cNvSpPr/>
             <p:nvPr/>
           </p:nvSpPr>
@@ -11872,7 +11980,7 @@
         </p:sp>
         <p:sp>
           <p:nvSpPr>
-            <p:cNvPr id="126" name="Freeform 125"/>
+            <p:cNvPr id="23" name="Freeform 125"/>
             <p:cNvSpPr/>
             <p:nvPr/>
           </p:nvSpPr>
@@ -12015,7 +12123,7 @@
         </p:sp>
         <p:sp>
           <p:nvSpPr>
-            <p:cNvPr id="127" name="Freeform 126"/>
+            <p:cNvPr id="24" name="Freeform 126"/>
             <p:cNvSpPr/>
             <p:nvPr/>
           </p:nvSpPr>
@@ -12158,7 +12266,7 @@
         </p:sp>
         <p:sp>
           <p:nvSpPr>
-            <p:cNvPr id="128" name="Freeform 127"/>
+            <p:cNvPr id="25" name="Freeform 127"/>
             <p:cNvSpPr/>
             <p:nvPr/>
           </p:nvSpPr>
@@ -12301,7 +12409,7 @@
         </p:sp>
         <p:sp>
           <p:nvSpPr>
-            <p:cNvPr id="129" name="Freeform 128"/>
+            <p:cNvPr id="26" name="Freeform 128"/>
             <p:cNvSpPr/>
             <p:nvPr/>
           </p:nvSpPr>
@@ -12446,7 +12554,7 @@
         </p:sp>
         <p:sp>
           <p:nvSpPr>
-            <p:cNvPr id="130" name="Freeform 129"/>
+            <p:cNvPr id="27" name="Freeform 129"/>
             <p:cNvSpPr/>
             <p:nvPr/>
           </p:nvSpPr>
@@ -12591,7 +12699,7 @@
         </p:sp>
         <p:sp>
           <p:nvSpPr>
-            <p:cNvPr id="131" name="Freeform 130"/>
+            <p:cNvPr id="28" name="Freeform 130"/>
             <p:cNvSpPr/>
             <p:nvPr/>
           </p:nvSpPr>
@@ -12865,7 +12973,7 @@
       </p:grpSp>
       <p:grpSp>
         <p:nvGrpSpPr>
-          <p:cNvPr id="132" name="Group 32"/>
+          <p:cNvPr id="29" name="Group 32"/>
           <p:cNvGrpSpPr>
             <a:grpSpLocks noChangeAspect="1"/>
           </p:cNvGrpSpPr>
@@ -12873,8 +12981,8 @@
         </p:nvGrpSpPr>
         <p:grpSpPr bwMode="auto">
           <a:xfrm>
-            <a:off x="9565130" y="2329753"/>
-            <a:ext cx="907980" cy="644667"/>
+            <a:off x="7661719" y="5202497"/>
+            <a:ext cx="603148" cy="428236"/>
             <a:chOff x="4354" y="1098"/>
             <a:chExt cx="800" cy="568"/>
           </a:xfrm>
@@ -12884,7 +12992,7 @@
         </p:grpSpPr>
         <p:sp>
           <p:nvSpPr>
-            <p:cNvPr id="133" name="Freeform 33"/>
+            <p:cNvPr id="30" name="Freeform 33"/>
             <p:cNvSpPr>
               <a:spLocks noEditPoints="1"/>
             </p:cNvSpPr>
@@ -13127,7 +13235,7 @@
         </p:sp>
         <p:sp>
           <p:nvSpPr>
-            <p:cNvPr id="134" name="Freeform 34"/>
+            <p:cNvPr id="32" name="Freeform 34"/>
             <p:cNvSpPr>
               <a:spLocks noEditPoints="1"/>
             </p:cNvSpPr>
@@ -13439,7 +13547,7 @@
         </p:sp>
         <p:sp>
           <p:nvSpPr>
-            <p:cNvPr id="135" name="Freeform 35"/>
+            <p:cNvPr id="33" name="Freeform 35"/>
             <p:cNvSpPr>
               <a:spLocks noEditPoints="1"/>
             </p:cNvSpPr>
@@ -13813,7 +13921,7 @@
         </p:sp>
         <p:sp>
           <p:nvSpPr>
-            <p:cNvPr id="136" name="Freeform 36"/>
+            <p:cNvPr id="34" name="Freeform 36"/>
             <p:cNvSpPr/>
             <p:nvPr/>
           </p:nvSpPr>
@@ -13978,7 +14086,7 @@
         </p:sp>
         <p:sp>
           <p:nvSpPr>
-            <p:cNvPr id="137" name="Freeform 37"/>
+            <p:cNvPr id="35" name="Freeform 37"/>
             <p:cNvSpPr/>
             <p:nvPr/>
           </p:nvSpPr>
@@ -14143,7 +14251,7 @@
         </p:sp>
         <p:sp>
           <p:nvSpPr>
-            <p:cNvPr id="138" name="Freeform 38"/>
+            <p:cNvPr id="36" name="Freeform 38"/>
             <p:cNvSpPr/>
             <p:nvPr/>
           </p:nvSpPr>
@@ -14462,14 +14570,14 @@
   <p:clrMapOvr>
     <a:masterClrMapping/>
   </p:clrMapOvr>
-  <mc:AlternateContent xmlns:mc="http://schemas.openxmlformats.org/markup-compatibility/2006">
-    <mc:Choice xmlns:p14="http://schemas.microsoft.com/office/powerpoint/2010/main" Requires="p14">
-      <p:transition spd="med" p14:dur="700" advTm="22363">
+  <mc:AlternateContent xmlns:mc="http://schemas.openxmlformats.org/markup-compatibility/2006" xmlns:p14="http://schemas.microsoft.com/office/powerpoint/2010/main">
+    <mc:Choice Requires="p14">
+      <p:transition spd="med" p14:dur="700">
         <p:fade/>
       </p:transition>
     </mc:Choice>
-    <mc:Fallback>
-      <p:transition spd="med" advTm="22363">
+    <mc:Fallback xmlns="">
+      <p:transition spd="med">
         <p:fade/>
       </p:transition>
     </mc:Fallback>
@@ -14477,7 +14585,7 @@
 </p:sld>
 </file>
 
-<file path=ppt/slides/slide16.xml><?xml version="1.0" encoding="utf-8"?>
+<file path=ppt/slides/slide15.xml><?xml version="1.0" encoding="utf-8"?>
 <p:sld xmlns:a="http://schemas.openxmlformats.org/drawingml/2006/main" xmlns:r="http://schemas.openxmlformats.org/officeDocument/2006/relationships" xmlns:p="http://schemas.openxmlformats.org/presentationml/2006/main">
   <p:cSld>
     <p:spTree>
@@ -14511,9 +14619,8 @@
           <a:p>
             <a:r>
               <a:rPr kumimoji="1" lang="zh-CN" altLang="en-US" dirty="0"/>
-              <a:t>运行环境规定</a:t>
-            </a:r>
-            <a:endParaRPr kumimoji="1" lang="zh-CN" altLang="en-US" dirty="0"/>
+              <a:t>用例图</a:t>
+            </a:r>
           </a:p>
         </p:txBody>
       </p:sp>
@@ -14609,7 +14716,352 @@
 </p:sld>
 </file>
 
+<file path=ppt/slides/slide16.xml><?xml version="1.0" encoding="utf-8"?>
+<p:sld xmlns:a="http://schemas.openxmlformats.org/drawingml/2006/main" xmlns:r="http://schemas.openxmlformats.org/officeDocument/2006/relationships" xmlns:p="http://schemas.openxmlformats.org/presentationml/2006/main">
+  <p:cSld>
+    <p:spTree>
+      <p:nvGrpSpPr>
+        <p:cNvPr id="1" name=""/>
+        <p:cNvGrpSpPr/>
+        <p:nvPr/>
+      </p:nvGrpSpPr>
+      <p:grpSpPr>
+        <a:xfrm>
+          <a:off x="0" y="0"/>
+          <a:ext cx="0" cy="0"/>
+          <a:chOff x="0" y="0"/>
+          <a:chExt cx="0" cy="0"/>
+        </a:xfrm>
+      </p:grpSpPr>
+      <p:pic>
+        <p:nvPicPr>
+          <p:cNvPr id="4" name="图片 3"/>
+          <p:cNvPicPr>
+            <a:picLocks noChangeAspect="1"/>
+          </p:cNvPicPr>
+          <p:nvPr/>
+        </p:nvPicPr>
+        <p:blipFill>
+          <a:blip r:embed="rId3"/>
+          <a:stretch>
+            <a:fillRect/>
+          </a:stretch>
+        </p:blipFill>
+        <p:spPr>
+          <a:xfrm>
+            <a:off x="669192" y="0"/>
+            <a:ext cx="10853616" cy="6858000"/>
+          </a:xfrm>
+          <a:prstGeom prst="rect">
+            <a:avLst/>
+          </a:prstGeom>
+        </p:spPr>
+      </p:pic>
+    </p:spTree>
+    <p:extLst>
+      <p:ext uri="{BB962C8B-B14F-4D97-AF65-F5344CB8AC3E}">
+        <p14:creationId xmlns:p14="http://schemas.microsoft.com/office/powerpoint/2010/main" val="3478934738"/>
+      </p:ext>
+    </p:extLst>
+  </p:cSld>
+  <p:clrMapOvr>
+    <a:masterClrMapping/>
+  </p:clrMapOvr>
+  <mc:AlternateContent xmlns:mc="http://schemas.openxmlformats.org/markup-compatibility/2006">
+    <mc:Choice xmlns:p14="http://schemas.microsoft.com/office/powerpoint/2010/main" Requires="p14">
+      <p:transition spd="med" p14:dur="700">
+        <p:fade/>
+      </p:transition>
+    </mc:Choice>
+    <mc:Fallback>
+      <p:transition spd="med">
+        <p:fade/>
+      </p:transition>
+    </mc:Fallback>
+  </mc:AlternateContent>
+</p:sld>
+</file>
+
 <file path=ppt/slides/slide17.xml><?xml version="1.0" encoding="utf-8"?>
+<p:sld xmlns:a="http://schemas.openxmlformats.org/drawingml/2006/main" xmlns:r="http://schemas.openxmlformats.org/officeDocument/2006/relationships" xmlns:p="http://schemas.openxmlformats.org/presentationml/2006/main">
+  <p:cSld>
+    <p:spTree>
+      <p:nvGrpSpPr>
+        <p:cNvPr id="1" name=""/>
+        <p:cNvGrpSpPr/>
+        <p:nvPr/>
+      </p:nvGrpSpPr>
+      <p:grpSpPr>
+        <a:xfrm>
+          <a:off x="0" y="0"/>
+          <a:ext cx="0" cy="0"/>
+          <a:chOff x="0" y="0"/>
+          <a:chExt cx="0" cy="0"/>
+        </a:xfrm>
+      </p:grpSpPr>
+      <p:sp>
+        <p:nvSpPr>
+          <p:cNvPr id="31" name="矩形 30"/>
+          <p:cNvSpPr/>
+          <p:nvPr/>
+        </p:nvSpPr>
+        <p:spPr>
+          <a:xfrm>
+            <a:off x="1162879" y="745296"/>
+            <a:ext cx="9849678" cy="461665"/>
+          </a:xfrm>
+          <a:prstGeom prst="rect">
+            <a:avLst/>
+          </a:prstGeom>
+        </p:spPr>
+        <p:txBody>
+          <a:bodyPr wrap="square">
+            <a:spAutoFit/>
+          </a:bodyPr>
+          <a:lstStyle/>
+          <a:p>
+            <a:pPr lvl="0" algn="just">
+              <a:spcBef>
+                <a:spcPts val="1200"/>
+              </a:spcBef>
+              <a:spcAft>
+                <a:spcPts val="0"/>
+              </a:spcAft>
+            </a:pPr>
+            <a:r>
+              <a:rPr lang="zh-CN" altLang="en-US" sz="2400" kern="100" dirty="0">
+                <a:latin typeface="+mn-ea"/>
+                <a:cs typeface="Times New Roman" panose="02020603050405020304" pitchFamily="18" charset="0"/>
+              </a:rPr>
+              <a:t>简要说明</a:t>
+            </a:r>
+            <a:endParaRPr lang="zh-CN" altLang="zh-CN" sz="2400" kern="100" dirty="0">
+              <a:latin typeface="+mn-ea"/>
+              <a:cs typeface="Times New Roman" panose="02020603050405020304" pitchFamily="18" charset="0"/>
+            </a:endParaRPr>
+          </a:p>
+        </p:txBody>
+      </p:sp>
+      <p:sp>
+        <p:nvSpPr>
+          <p:cNvPr id="3" name="矩形 2"/>
+          <p:cNvSpPr/>
+          <p:nvPr/>
+        </p:nvSpPr>
+        <p:spPr>
+          <a:xfrm>
+            <a:off x="1162879" y="1659697"/>
+            <a:ext cx="9849678" cy="738664"/>
+          </a:xfrm>
+          <a:prstGeom prst="rect">
+            <a:avLst/>
+          </a:prstGeom>
+        </p:spPr>
+        <p:txBody>
+          <a:bodyPr wrap="square">
+            <a:spAutoFit/>
+          </a:bodyPr>
+          <a:lstStyle/>
+          <a:p>
+            <a:pPr marL="285750" lvl="0" indent="-285750" algn="just">
+              <a:spcBef>
+                <a:spcPts val="1200"/>
+              </a:spcBef>
+              <a:spcAft>
+                <a:spcPts val="0"/>
+              </a:spcAft>
+              <a:buFont typeface="Arial" panose="020B0604020202020204" pitchFamily="34" charset="0"/>
+              <a:buChar char="•"/>
+            </a:pPr>
+            <a:r>
+              <a:rPr lang="zh-CN" altLang="en-US" sz="1600" kern="100" dirty="0">
+                <a:latin typeface="+mn-ea"/>
+                <a:cs typeface="Times New Roman" panose="02020603050405020304" pitchFamily="18" charset="0"/>
+              </a:rPr>
+              <a:t>在实际环境中，开发者和使用者的身份一般重叠，但划分为两类，使得用例图更清晰</a:t>
+            </a:r>
+            <a:endParaRPr lang="en-US" altLang="zh-CN" sz="1600" kern="100" dirty="0">
+              <a:latin typeface="+mn-ea"/>
+              <a:cs typeface="Times New Roman" panose="02020603050405020304" pitchFamily="18" charset="0"/>
+            </a:endParaRPr>
+          </a:p>
+          <a:p>
+            <a:pPr marL="285750" lvl="0" indent="-285750" algn="just">
+              <a:spcBef>
+                <a:spcPts val="1200"/>
+              </a:spcBef>
+              <a:spcAft>
+                <a:spcPts val="0"/>
+              </a:spcAft>
+              <a:buFont typeface="Arial" panose="020B0604020202020204" pitchFamily="34" charset="0"/>
+              <a:buChar char="•"/>
+            </a:pPr>
+            <a:r>
+              <a:rPr lang="zh-CN" altLang="en-US" sz="1600" kern="100" dirty="0">
+                <a:latin typeface="+mn-ea"/>
+                <a:cs typeface="Times New Roman" panose="02020603050405020304" pitchFamily="18" charset="0"/>
+              </a:rPr>
+              <a:t>更多复杂的业务逻辑，将在日后的实验中， 通过类图、甘特图、流程图等更直观的形式表现</a:t>
+            </a:r>
+            <a:endParaRPr lang="zh-CN" altLang="zh-CN" sz="1600" kern="100" dirty="0">
+              <a:latin typeface="+mn-ea"/>
+              <a:cs typeface="Times New Roman" panose="02020603050405020304" pitchFamily="18" charset="0"/>
+            </a:endParaRPr>
+          </a:p>
+        </p:txBody>
+      </p:sp>
+    </p:spTree>
+    <p:extLst>
+      <p:ext uri="{BB962C8B-B14F-4D97-AF65-F5344CB8AC3E}">
+        <p14:creationId xmlns:p14="http://schemas.microsoft.com/office/powerpoint/2010/main" val="736874683"/>
+      </p:ext>
+    </p:extLst>
+  </p:cSld>
+  <p:clrMapOvr>
+    <a:masterClrMapping/>
+  </p:clrMapOvr>
+  <mc:AlternateContent xmlns:mc="http://schemas.openxmlformats.org/markup-compatibility/2006" xmlns:p14="http://schemas.microsoft.com/office/powerpoint/2010/main">
+    <mc:Choice Requires="p14">
+      <p:transition spd="med" p14:dur="700">
+        <p:fade/>
+      </p:transition>
+    </mc:Choice>
+    <mc:Fallback xmlns="">
+      <p:transition spd="med">
+        <p:fade/>
+      </p:transition>
+    </mc:Fallback>
+  </mc:AlternateContent>
+</p:sld>
+</file>
+
+<file path=ppt/slides/slide18.xml><?xml version="1.0" encoding="utf-8"?>
+<p:sld xmlns:a="http://schemas.openxmlformats.org/drawingml/2006/main" xmlns:r="http://schemas.openxmlformats.org/officeDocument/2006/relationships" xmlns:p="http://schemas.openxmlformats.org/presentationml/2006/main">
+  <p:cSld>
+    <p:spTree>
+      <p:nvGrpSpPr>
+        <p:cNvPr id="1" name=""/>
+        <p:cNvGrpSpPr/>
+        <p:nvPr/>
+      </p:nvGrpSpPr>
+      <p:grpSpPr>
+        <a:xfrm>
+          <a:off x="0" y="0"/>
+          <a:ext cx="0" cy="0"/>
+          <a:chOff x="0" y="0"/>
+          <a:chExt cx="0" cy="0"/>
+        </a:xfrm>
+      </p:grpSpPr>
+      <p:sp>
+        <p:nvSpPr>
+          <p:cNvPr id="3" name="文本占位符 2"/>
+          <p:cNvSpPr>
+            <a:spLocks noGrp="1"/>
+          </p:cNvSpPr>
+          <p:nvPr>
+            <p:ph type="body" sz="quarter" idx="11"/>
+          </p:nvPr>
+        </p:nvSpPr>
+        <p:spPr/>
+        <p:txBody>
+          <a:bodyPr/>
+          <a:lstStyle/>
+          <a:p>
+            <a:r>
+              <a:rPr kumimoji="1" lang="zh-CN" altLang="en-US" dirty="0"/>
+              <a:t>运行时环境</a:t>
+            </a:r>
+          </a:p>
+        </p:txBody>
+      </p:sp>
+      <p:sp>
+        <p:nvSpPr>
+          <p:cNvPr id="4" name="文本占位符 3"/>
+          <p:cNvSpPr>
+            <a:spLocks noGrp="1"/>
+          </p:cNvSpPr>
+          <p:nvPr>
+            <p:ph type="body" sz="quarter" idx="12"/>
+          </p:nvPr>
+        </p:nvSpPr>
+        <p:spPr/>
+        <p:txBody>
+          <a:bodyPr/>
+          <a:lstStyle/>
+          <a:p>
+            <a:r>
+              <a:rPr kumimoji="1" lang="en-US" altLang="zh-CN" dirty="0"/>
+              <a:t>PART</a:t>
+            </a:r>
+            <a:r>
+              <a:rPr kumimoji="1" lang="zh-CN" altLang="en-US" dirty="0"/>
+              <a:t> </a:t>
+            </a:r>
+            <a:r>
+              <a:rPr kumimoji="1" lang="en-US" altLang="zh-CN" dirty="0"/>
+              <a:t>FOUR</a:t>
+            </a:r>
+            <a:endParaRPr kumimoji="1" lang="zh-CN" altLang="en-US" dirty="0"/>
+          </a:p>
+        </p:txBody>
+      </p:sp>
+      <p:sp>
+        <p:nvSpPr>
+          <p:cNvPr id="5" name="矩形 4"/>
+          <p:cNvSpPr/>
+          <p:nvPr/>
+        </p:nvSpPr>
+        <p:spPr>
+          <a:xfrm>
+            <a:off x="4889820" y="4364006"/>
+            <a:ext cx="2447151" cy="137193"/>
+          </a:xfrm>
+          <a:prstGeom prst="rect">
+            <a:avLst/>
+          </a:prstGeom>
+          <a:solidFill>
+            <a:srgbClr val="00B050"/>
+          </a:solidFill>
+          <a:ln w="12700" cap="flat" cmpd="sng" algn="ctr">
+            <a:noFill/>
+            <a:prstDash val="solid"/>
+            <a:miter lim="800000"/>
+          </a:ln>
+          <a:effectLst/>
+        </p:spPr>
+        <p:txBody>
+          <a:bodyPr rot="0" spcFirstLastPara="0" vertOverflow="overflow" horzOverflow="overflow" vert="horz" wrap="square" lIns="91440" tIns="45720" rIns="91440" bIns="45720" numCol="1" spcCol="0" rtlCol="0" fromWordArt="0" anchor="ctr" anchorCtr="0" forceAA="0" compatLnSpc="1">
+            <a:noAutofit/>
+          </a:bodyPr>
+          <a:lstStyle/>
+          <a:p>
+            <a:pPr algn="ctr">
+              <a:defRPr/>
+            </a:pPr>
+            <a:endParaRPr lang="zh-CN" altLang="en-US" sz="2000" kern="0">
+              <a:latin typeface="Segoe UI" panose="020B0502040204020203"/>
+              <a:ea typeface="微软雅黑" panose="020B0503020204020204" charset="-122"/>
+            </a:endParaRPr>
+          </a:p>
+        </p:txBody>
+      </p:sp>
+    </p:spTree>
+    <p:extLst>
+      <p:ext uri="{BB962C8B-B14F-4D97-AF65-F5344CB8AC3E}">
+        <p14:creationId xmlns:p14="http://schemas.microsoft.com/office/powerpoint/2010/main" val="2914776735"/>
+      </p:ext>
+    </p:extLst>
+  </p:cSld>
+  <p:clrMapOvr>
+    <a:masterClrMapping/>
+  </p:clrMapOvr>
+  <p:transition spd="med">
+    <p:pull/>
+  </p:transition>
+</p:sld>
+</file>
+
+<file path=ppt/slides/slide19.xml><?xml version="1.0" encoding="utf-8"?>
 <p:sld xmlns:a="http://schemas.openxmlformats.org/drawingml/2006/main" xmlns:r="http://schemas.openxmlformats.org/officeDocument/2006/relationships" xmlns:p="http://schemas.openxmlformats.org/presentationml/2006/main">
   <p:cSld>
     <p:spTree>
@@ -14635,7 +15087,7 @@
           <p:nvPr/>
         </p:nvPicPr>
         <p:blipFill rotWithShape="1">
-          <a:blip r:embed="rId1"/>
+          <a:blip r:embed="rId3"/>
           <a:srcRect l="48897"/>
           <a:stretch>
             <a:fillRect/>
@@ -15861,10 +16313,6 @@
               </a:rPr>
               <a:t>Python 2.7/3.0+</a:t>
             </a:r>
-            <a:endParaRPr lang="en-US" altLang="zh-CN" sz="1500" dirty="0">
-              <a:latin typeface="+mn-ea"/>
-              <a:cs typeface="Times New Roman" panose="02020603050405020304" pitchFamily="18" charset="0"/>
-            </a:endParaRPr>
           </a:p>
           <a:p>
             <a:pPr>
@@ -15922,10 +16370,6 @@
               </a:rPr>
               <a:t>等平台</a:t>
             </a:r>
-            <a:endParaRPr lang="zh-CN" altLang="en-US" sz="1500" dirty="0">
-              <a:latin typeface="+mn-ea"/>
-              <a:cs typeface="Times New Roman" panose="02020603050405020304" pitchFamily="18" charset="0"/>
-            </a:endParaRPr>
           </a:p>
         </p:txBody>
       </p:sp>
@@ -16221,13 +16665,6 @@
                 </a:rPr>
                 <a:t>支持软件</a:t>
               </a:r>
-              <a:endParaRPr lang="zh-CN" altLang="en-US" sz="2400" kern="0" dirty="0">
-                <a:solidFill>
-                  <a:srgbClr val="000000"/>
-                </a:solidFill>
-                <a:latin typeface="Segoe UI" panose="020B0502040204020203"/>
-                <a:ea typeface="微软雅黑" panose="020B0503020204020204" charset="-122"/>
-              </a:endParaRPr>
             </a:p>
           </p:txBody>
         </p:sp>
@@ -16266,10 +16703,6 @@
               </a:rPr>
               <a:t>无</a:t>
             </a:r>
-            <a:endParaRPr lang="zh-CN" altLang="en-US" sz="1500" kern="0" dirty="0">
-              <a:latin typeface="微软雅黑" panose="020B0503020204020204" charset="-122"/>
-              <a:ea typeface="微软雅黑" panose="020B0503020204020204" charset="-122"/>
-            </a:endParaRPr>
           </a:p>
         </p:txBody>
       </p:sp>
@@ -16565,13 +16998,6 @@
                 </a:rPr>
                 <a:t>硬件接口</a:t>
               </a:r>
-              <a:endParaRPr lang="zh-CN" altLang="en-US" sz="2400" kern="0" dirty="0">
-                <a:solidFill>
-                  <a:srgbClr val="000000"/>
-                </a:solidFill>
-                <a:latin typeface="Segoe UI" panose="020B0502040204020203"/>
-                <a:ea typeface="微软雅黑" panose="020B0503020204020204" charset="-122"/>
-              </a:endParaRPr>
             </a:p>
           </p:txBody>
         </p:sp>
@@ -16638,10 +17064,6 @@
               </a:rPr>
               <a:t>***的形式导入</a:t>
             </a:r>
-            <a:endParaRPr lang="zh-CN" altLang="en-US" sz="1500" kern="0" dirty="0">
-              <a:latin typeface="微软雅黑" panose="020B0503020204020204" charset="-122"/>
-              <a:ea typeface="微软雅黑" panose="020B0503020204020204" charset="-122"/>
-            </a:endParaRPr>
           </a:p>
         </p:txBody>
       </p:sp>
@@ -16937,13 +17359,6 @@
                 </a:rPr>
                 <a:t>软件接口</a:t>
               </a:r>
-              <a:endParaRPr lang="zh-CN" altLang="en-US" sz="2400" kern="0" dirty="0">
-                <a:solidFill>
-                  <a:srgbClr val="000000"/>
-                </a:solidFill>
-                <a:latin typeface="Segoe UI" panose="020B0502040204020203"/>
-                <a:ea typeface="微软雅黑" panose="020B0503020204020204" charset="-122"/>
-              </a:endParaRPr>
             </a:p>
           </p:txBody>
         </p:sp>
@@ -17031,10 +17446,6 @@
               </a:rPr>
               <a:t>协议等</a:t>
             </a:r>
-            <a:endParaRPr lang="zh-CN" altLang="en-US" sz="1500" kern="0" dirty="0">
-              <a:latin typeface="微软雅黑" panose="020B0503020204020204" charset="-122"/>
-              <a:ea typeface="微软雅黑" panose="020B0503020204020204" charset="-122"/>
-            </a:endParaRPr>
           </a:p>
         </p:txBody>
       </p:sp>
@@ -17330,13 +17741,6 @@
                 </a:rPr>
                 <a:t>通信接口</a:t>
               </a:r>
-              <a:endParaRPr lang="zh-CN" altLang="en-US" sz="2400" kern="0" dirty="0">
-                <a:solidFill>
-                  <a:srgbClr val="000000"/>
-                </a:solidFill>
-                <a:latin typeface="Segoe UI" panose="020B0502040204020203"/>
-                <a:ea typeface="微软雅黑" panose="020B0503020204020204" charset="-122"/>
-              </a:endParaRPr>
             </a:p>
           </p:txBody>
         </p:sp>
@@ -17497,10 +17901,6 @@
               </a:rPr>
               <a:t>运行的进程。</a:t>
             </a:r>
-            <a:endParaRPr lang="zh-CN" altLang="en-US" sz="1500" kern="0" dirty="0">
-              <a:latin typeface="微软雅黑" panose="020B0503020204020204" charset="-122"/>
-              <a:ea typeface="微软雅黑" panose="020B0503020204020204" charset="-122"/>
-            </a:endParaRPr>
           </a:p>
         </p:txBody>
       </p:sp>
@@ -17796,13 +18196,6 @@
                 </a:rPr>
                 <a:t>用户接口</a:t>
               </a:r>
-              <a:endParaRPr lang="zh-CN" altLang="en-US" sz="2400" kern="0" dirty="0">
-                <a:solidFill>
-                  <a:srgbClr val="000000"/>
-                </a:solidFill>
-                <a:latin typeface="Segoe UI" panose="020B0502040204020203"/>
-                <a:ea typeface="微软雅黑" panose="020B0503020204020204" charset="-122"/>
-              </a:endParaRPr>
             </a:p>
           </p:txBody>
         </p:sp>
@@ -18068,7 +18461,7 @@
           <p:nvPr/>
         </p:nvPicPr>
         <p:blipFill rotWithShape="1">
-          <a:blip r:embed="rId2"/>
+          <a:blip r:embed="rId4"/>
           <a:srcRect l="49574"/>
           <a:stretch>
             <a:fillRect/>
@@ -18089,13 +18482,13 @@
   <p:clrMapOvr>
     <a:masterClrMapping/>
   </p:clrMapOvr>
-  <mc:AlternateContent xmlns:mc="http://schemas.openxmlformats.org/markup-compatibility/2006">
-    <mc:Choice xmlns:p14="http://schemas.microsoft.com/office/powerpoint/2010/main" Requires="p14">
+  <mc:AlternateContent xmlns:mc="http://schemas.openxmlformats.org/markup-compatibility/2006" xmlns:p14="http://schemas.microsoft.com/office/powerpoint/2010/main">
+    <mc:Choice Requires="p14">
       <p:transition spd="med" p14:dur="700">
         <p:fade/>
       </p:transition>
     </mc:Choice>
-    <mc:Fallback>
+    <mc:Fallback xmlns="">
       <p:transition spd="med">
         <p:fade/>
       </p:transition>
@@ -18976,182 +19369,6 @@
 </p:sld>
 </file>
 
-<file path=ppt/slides/slide18.xml><?xml version="1.0" encoding="utf-8"?>
-<p:sld xmlns:a="http://schemas.openxmlformats.org/drawingml/2006/main" xmlns:r="http://schemas.openxmlformats.org/officeDocument/2006/relationships" xmlns:p="http://schemas.openxmlformats.org/presentationml/2006/main">
-  <p:cSld>
-    <p:spTree>
-      <p:nvGrpSpPr>
-        <p:cNvPr id="1" name=""/>
-        <p:cNvGrpSpPr/>
-        <p:nvPr/>
-      </p:nvGrpSpPr>
-      <p:grpSpPr>
-        <a:xfrm>
-          <a:off x="0" y="0"/>
-          <a:ext cx="0" cy="0"/>
-          <a:chOff x="0" y="0"/>
-          <a:chExt cx="0" cy="0"/>
-        </a:xfrm>
-      </p:grpSpPr>
-      <p:sp>
-        <p:nvSpPr>
-          <p:cNvPr id="2" name="文本占位符 1"/>
-          <p:cNvSpPr>
-            <a:spLocks noGrp="1"/>
-          </p:cNvSpPr>
-          <p:nvPr>
-            <p:ph type="body" sz="quarter" idx="10"/>
-          </p:nvPr>
-        </p:nvSpPr>
-        <p:spPr>
-          <a:xfrm>
-            <a:off x="522699" y="2369018"/>
-            <a:ext cx="11146607" cy="937764"/>
-          </a:xfrm>
-        </p:spPr>
-        <p:txBody>
-          <a:bodyPr/>
-          <a:lstStyle/>
-          <a:p>
-            <a:r>
-              <a:rPr lang="en-US" altLang="zh-CN" dirty="0">
-                <a:latin typeface="Segoe UI" panose="020B0502040204020203"/>
-                <a:ea typeface="微软雅黑" panose="020B0503020204020204" charset="-122"/>
-              </a:rPr>
-              <a:t>THANK</a:t>
-            </a:r>
-            <a:r>
-              <a:rPr lang="zh-CN" altLang="en-US" dirty="0">
-                <a:latin typeface="Segoe UI" panose="020B0502040204020203"/>
-                <a:ea typeface="微软雅黑" panose="020B0503020204020204" charset="-122"/>
-              </a:rPr>
-              <a:t> </a:t>
-            </a:r>
-            <a:r>
-              <a:rPr lang="en-US" altLang="zh-CN" dirty="0">
-                <a:latin typeface="Segoe UI" panose="020B0502040204020203"/>
-                <a:ea typeface="微软雅黑" panose="020B0503020204020204" charset="-122"/>
-              </a:rPr>
-              <a:t>YOU</a:t>
-            </a:r>
-            <a:r>
-              <a:rPr lang="zh-CN" altLang="en-US" dirty="0">
-                <a:latin typeface="Segoe UI" panose="020B0502040204020203"/>
-                <a:ea typeface="微软雅黑" panose="020B0503020204020204" charset="-122"/>
-              </a:rPr>
-              <a:t> </a:t>
-            </a:r>
-            <a:r>
-              <a:rPr lang="en-US" altLang="zh-CN" dirty="0">
-                <a:latin typeface="Segoe UI" panose="020B0502040204020203"/>
-                <a:ea typeface="微软雅黑" panose="020B0503020204020204" charset="-122"/>
-              </a:rPr>
-              <a:t>FOR</a:t>
-            </a:r>
-            <a:r>
-              <a:rPr lang="zh-CN" altLang="en-US" dirty="0">
-                <a:latin typeface="Segoe UI" panose="020B0502040204020203"/>
-                <a:ea typeface="微软雅黑" panose="020B0503020204020204" charset="-122"/>
-              </a:rPr>
-              <a:t> </a:t>
-            </a:r>
-            <a:r>
-              <a:rPr lang="en-US" altLang="zh-CN" dirty="0">
-                <a:latin typeface="Segoe UI" panose="020B0502040204020203"/>
-                <a:ea typeface="微软雅黑" panose="020B0503020204020204" charset="-122"/>
-              </a:rPr>
-              <a:t>WATCHING</a:t>
-            </a:r>
-            <a:endParaRPr lang="en-US" altLang="zh-CN" dirty="0">
-              <a:latin typeface="Segoe UI" panose="020B0502040204020203"/>
-              <a:ea typeface="微软雅黑" panose="020B0503020204020204" charset="-122"/>
-            </a:endParaRPr>
-          </a:p>
-        </p:txBody>
-      </p:sp>
-      <p:sp>
-        <p:nvSpPr>
-          <p:cNvPr id="9" name="文本占位符 8"/>
-          <p:cNvSpPr>
-            <a:spLocks noGrp="1"/>
-          </p:cNvSpPr>
-          <p:nvPr>
-            <p:ph type="body" sz="quarter" idx="13"/>
-          </p:nvPr>
-        </p:nvSpPr>
-        <p:spPr>
-          <a:xfrm>
-            <a:off x="3149139" y="1706486"/>
-            <a:ext cx="5881540" cy="508364"/>
-          </a:xfrm>
-        </p:spPr>
-        <p:txBody>
-          <a:bodyPr/>
-          <a:lstStyle/>
-          <a:p>
-            <a:r>
-              <a:rPr lang="zh-CN" altLang="en-US" sz="4000" dirty="0"/>
-              <a:t> </a:t>
-            </a:r>
-            <a:endParaRPr lang="zh-CN" altLang="en-US" sz="4000" dirty="0"/>
-          </a:p>
-        </p:txBody>
-      </p:sp>
-      <p:sp>
-        <p:nvSpPr>
-          <p:cNvPr id="10" name="文本占位符 9"/>
-          <p:cNvSpPr>
-            <a:spLocks noGrp="1"/>
-          </p:cNvSpPr>
-          <p:nvPr>
-            <p:ph type="body" sz="quarter" idx="14"/>
-          </p:nvPr>
-        </p:nvSpPr>
-        <p:spPr/>
-        <p:txBody>
-          <a:bodyPr/>
-          <a:lstStyle/>
-          <a:p>
-            <a:endParaRPr lang="zh-CN" altLang="en-US"/>
-          </a:p>
-        </p:txBody>
-      </p:sp>
-      <p:sp>
-        <p:nvSpPr>
-          <p:cNvPr id="3" name="文本占位符 2"/>
-          <p:cNvSpPr/>
-          <p:nvPr>
-            <p:ph type="body" sz="quarter" idx="12"/>
-          </p:nvPr>
-        </p:nvSpPr>
-        <p:spPr/>
-        <p:txBody>
-          <a:bodyPr/>
-          <a:p>
-            <a:endParaRPr lang="zh-CN" altLang="en-US"/>
-          </a:p>
-        </p:txBody>
-      </p:sp>
-    </p:spTree>
-  </p:cSld>
-  <p:clrMapOvr>
-    <a:masterClrMapping/>
-  </p:clrMapOvr>
-  <mc:AlternateContent xmlns:mc="http://schemas.openxmlformats.org/markup-compatibility/2006">
-    <mc:Choice xmlns:p14="http://schemas.microsoft.com/office/powerpoint/2010/main" Requires="p14">
-      <p:transition spd="slow" p14:dur="800">
-        <p:circle/>
-      </p:transition>
-    </mc:Choice>
-    <mc:Fallback>
-      <p:transition spd="slow">
-        <p:circle/>
-      </p:transition>
-    </mc:Fallback>
-  </mc:AlternateContent>
-</p:sld>
-</file>
-
 <file path=ppt/slides/slide2.xml><?xml version="1.0" encoding="utf-8"?>
 <p:sld xmlns:a="http://schemas.openxmlformats.org/drawingml/2006/main" xmlns:r="http://schemas.openxmlformats.org/officeDocument/2006/relationships" xmlns:p="http://schemas.openxmlformats.org/presentationml/2006/main">
   <p:cSld>
@@ -19193,7 +19410,6 @@
               <a:rPr kumimoji="1" lang="zh-CN" altLang="en-US" sz="6600" dirty="0"/>
               <a:t>目录</a:t>
             </a:r>
-            <a:endParaRPr kumimoji="1" lang="zh-CN" altLang="en-US" sz="6600" dirty="0"/>
           </a:p>
         </p:txBody>
       </p:sp>
@@ -19255,13 +19471,6 @@
               </a:rPr>
               <a:t>项目说明</a:t>
             </a:r>
-            <a:endParaRPr lang="zh-CN" altLang="en-US" sz="2400" dirty="0">
-              <a:solidFill>
-                <a:srgbClr val="000000"/>
-              </a:solidFill>
-              <a:latin typeface="Segoe UI" panose="020B0502040204020203"/>
-              <a:ea typeface="微软雅黑" panose="020B0503020204020204" charset="-122"/>
-            </a:endParaRPr>
           </a:p>
         </p:txBody>
       </p:sp>
@@ -19355,13 +19564,6 @@
               </a:rPr>
               <a:t>任务概述</a:t>
             </a:r>
-            <a:endParaRPr lang="zh-CN" altLang="en-US" sz="2400" dirty="0">
-              <a:solidFill>
-                <a:srgbClr val="000000"/>
-              </a:solidFill>
-              <a:latin typeface="Segoe UI" panose="020B0502040204020203"/>
-              <a:ea typeface="微软雅黑" panose="020B0503020204020204" charset="-122"/>
-            </a:endParaRPr>
           </a:p>
         </p:txBody>
       </p:sp>
@@ -19455,13 +19657,6 @@
               </a:rPr>
               <a:t>需求规定</a:t>
             </a:r>
-            <a:endParaRPr lang="zh-CN" altLang="en-US" sz="2400" dirty="0">
-              <a:solidFill>
-                <a:srgbClr val="000000"/>
-              </a:solidFill>
-              <a:latin typeface="Segoe UI" panose="020B0502040204020203"/>
-              <a:ea typeface="微软雅黑" panose="020B0503020204020204" charset="-122"/>
-            </a:endParaRPr>
           </a:p>
         </p:txBody>
       </p:sp>
@@ -19546,22 +19741,15 @@
           <a:lstStyle/>
           <a:p>
             <a:r>
-              <a:rPr lang="zh-CN" altLang="en-US" sz="2400" dirty="0">
+              <a:rPr kumimoji="1" lang="zh-CN" altLang="en-US" sz="2400" dirty="0">
                 <a:solidFill>
                   <a:srgbClr val="000000"/>
                 </a:solidFill>
                 <a:latin typeface="Segoe UI" panose="020B0502040204020203"/>
                 <a:ea typeface="微软雅黑" panose="020B0503020204020204" charset="-122"/>
               </a:rPr>
-              <a:t>数据字典</a:t>
-            </a:r>
-            <a:endParaRPr kumimoji="1" lang="zh-CN" altLang="en-US" sz="2400" dirty="0">
-              <a:solidFill>
-                <a:srgbClr val="000000"/>
-              </a:solidFill>
-              <a:latin typeface="Segoe UI" panose="020B0502040204020203"/>
-              <a:ea typeface="微软雅黑" panose="020B0503020204020204" charset="-122"/>
-            </a:endParaRPr>
+              <a:t>运行环境</a:t>
+            </a:r>
           </a:p>
         </p:txBody>
       </p:sp>
@@ -19646,22 +19834,15 @@
           <a:lstStyle/>
           <a:p>
             <a:r>
-              <a:rPr lang="zh-CN" altLang="en-US" sz="2400" dirty="0">
+              <a:rPr kumimoji="1" lang="zh-CN" altLang="en-US" sz="2400" dirty="0">
                 <a:solidFill>
                   <a:srgbClr val="000000"/>
                 </a:solidFill>
                 <a:latin typeface="Segoe UI" panose="020B0502040204020203"/>
                 <a:ea typeface="微软雅黑" panose="020B0503020204020204" charset="-122"/>
               </a:rPr>
-              <a:t>运行环境</a:t>
-            </a:r>
-            <a:endParaRPr kumimoji="1" lang="zh-CN" altLang="en-US" sz="2400" dirty="0">
-              <a:solidFill>
-                <a:srgbClr val="000000"/>
-              </a:solidFill>
-              <a:latin typeface="Segoe UI" panose="020B0502040204020203"/>
-              <a:ea typeface="微软雅黑" panose="020B0503020204020204" charset="-122"/>
-            </a:endParaRPr>
+              <a:t>用例图</a:t>
+            </a:r>
           </a:p>
         </p:txBody>
       </p:sp>
@@ -19942,15 +20123,189 @@
   <p:clrMapOvr>
     <a:masterClrMapping/>
   </p:clrMapOvr>
-  <mc:AlternateContent xmlns:mc="http://schemas.openxmlformats.org/markup-compatibility/2006">
-    <mc:Choice xmlns:p14="http://schemas.microsoft.com/office/powerpoint/2010/main" Requires="p14">
+  <mc:AlternateContent xmlns:mc="http://schemas.openxmlformats.org/markup-compatibility/2006" xmlns:p14="http://schemas.microsoft.com/office/powerpoint/2010/main">
+    <mc:Choice Requires="p14">
       <p:transition spd="med" p14:dur="700" advTm="2708">
         <p:fade/>
       </p:transition>
     </mc:Choice>
-    <mc:Fallback>
+    <mc:Fallback xmlns="">
       <p:transition spd="med" advTm="2708">
         <p:fade/>
+      </p:transition>
+    </mc:Fallback>
+  </mc:AlternateContent>
+</p:sld>
+</file>
+
+<file path=ppt/slides/slide20.xml><?xml version="1.0" encoding="utf-8"?>
+<p:sld xmlns:a="http://schemas.openxmlformats.org/drawingml/2006/main" xmlns:r="http://schemas.openxmlformats.org/officeDocument/2006/relationships" xmlns:p="http://schemas.openxmlformats.org/presentationml/2006/main">
+  <p:cSld>
+    <p:spTree>
+      <p:nvGrpSpPr>
+        <p:cNvPr id="1" name=""/>
+        <p:cNvGrpSpPr/>
+        <p:nvPr/>
+      </p:nvGrpSpPr>
+      <p:grpSpPr>
+        <a:xfrm>
+          <a:off x="0" y="0"/>
+          <a:ext cx="0" cy="0"/>
+          <a:chOff x="0" y="0"/>
+          <a:chExt cx="0" cy="0"/>
+        </a:xfrm>
+      </p:grpSpPr>
+      <p:sp>
+        <p:nvSpPr>
+          <p:cNvPr id="2" name="文本占位符 1"/>
+          <p:cNvSpPr>
+            <a:spLocks noGrp="1"/>
+          </p:cNvSpPr>
+          <p:nvPr>
+            <p:ph type="body" sz="quarter" idx="10"/>
+          </p:nvPr>
+        </p:nvSpPr>
+        <p:spPr>
+          <a:xfrm>
+            <a:off x="522699" y="2369018"/>
+            <a:ext cx="11146607" cy="937764"/>
+          </a:xfrm>
+        </p:spPr>
+        <p:txBody>
+          <a:bodyPr/>
+          <a:lstStyle/>
+          <a:p>
+            <a:r>
+              <a:rPr lang="en-US" altLang="zh-CN" dirty="0">
+                <a:latin typeface="Segoe UI" panose="020B0502040204020203"/>
+                <a:ea typeface="微软雅黑" panose="020B0503020204020204" charset="-122"/>
+              </a:rPr>
+              <a:t>THANK</a:t>
+            </a:r>
+            <a:r>
+              <a:rPr lang="zh-CN" altLang="en-US" dirty="0">
+                <a:latin typeface="Segoe UI" panose="020B0502040204020203"/>
+                <a:ea typeface="微软雅黑" panose="020B0503020204020204" charset="-122"/>
+              </a:rPr>
+              <a:t> </a:t>
+            </a:r>
+            <a:r>
+              <a:rPr lang="en-US" altLang="zh-CN" dirty="0">
+                <a:latin typeface="Segoe UI" panose="020B0502040204020203"/>
+                <a:ea typeface="微软雅黑" panose="020B0503020204020204" charset="-122"/>
+              </a:rPr>
+              <a:t>YOU</a:t>
+            </a:r>
+            <a:r>
+              <a:rPr lang="zh-CN" altLang="en-US" dirty="0">
+                <a:latin typeface="Segoe UI" panose="020B0502040204020203"/>
+                <a:ea typeface="微软雅黑" panose="020B0503020204020204" charset="-122"/>
+              </a:rPr>
+              <a:t> </a:t>
+            </a:r>
+            <a:r>
+              <a:rPr lang="en-US" altLang="zh-CN" dirty="0">
+                <a:latin typeface="Segoe UI" panose="020B0502040204020203"/>
+                <a:ea typeface="微软雅黑" panose="020B0503020204020204" charset="-122"/>
+              </a:rPr>
+              <a:t>FOR</a:t>
+            </a:r>
+            <a:r>
+              <a:rPr lang="zh-CN" altLang="en-US" dirty="0">
+                <a:latin typeface="Segoe UI" panose="020B0502040204020203"/>
+                <a:ea typeface="微软雅黑" panose="020B0503020204020204" charset="-122"/>
+              </a:rPr>
+              <a:t> </a:t>
+            </a:r>
+            <a:r>
+              <a:rPr lang="en-US" altLang="zh-CN" dirty="0">
+                <a:latin typeface="Segoe UI" panose="020B0502040204020203"/>
+                <a:ea typeface="微软雅黑" panose="020B0503020204020204" charset="-122"/>
+              </a:rPr>
+              <a:t>WATCHING</a:t>
+            </a:r>
+          </a:p>
+        </p:txBody>
+      </p:sp>
+      <p:sp>
+        <p:nvSpPr>
+          <p:cNvPr id="9" name="文本占位符 8"/>
+          <p:cNvSpPr>
+            <a:spLocks noGrp="1"/>
+          </p:cNvSpPr>
+          <p:nvPr>
+            <p:ph type="body" sz="quarter" idx="13"/>
+          </p:nvPr>
+        </p:nvSpPr>
+        <p:spPr>
+          <a:xfrm>
+            <a:off x="3149139" y="1706486"/>
+            <a:ext cx="5881540" cy="508364"/>
+          </a:xfrm>
+        </p:spPr>
+        <p:txBody>
+          <a:bodyPr/>
+          <a:lstStyle/>
+          <a:p>
+            <a:r>
+              <a:rPr lang="zh-CN" altLang="en-US" sz="4000" dirty="0"/>
+              <a:t> </a:t>
+            </a:r>
+          </a:p>
+        </p:txBody>
+      </p:sp>
+      <p:sp>
+        <p:nvSpPr>
+          <p:cNvPr id="10" name="文本占位符 9"/>
+          <p:cNvSpPr>
+            <a:spLocks noGrp="1"/>
+          </p:cNvSpPr>
+          <p:nvPr>
+            <p:ph type="body" sz="quarter" idx="14"/>
+          </p:nvPr>
+        </p:nvSpPr>
+        <p:spPr/>
+        <p:txBody>
+          <a:bodyPr/>
+          <a:lstStyle/>
+          <a:p>
+            <a:endParaRPr lang="zh-CN" altLang="en-US"/>
+          </a:p>
+        </p:txBody>
+      </p:sp>
+      <p:sp>
+        <p:nvSpPr>
+          <p:cNvPr id="3" name="文本占位符 2"/>
+          <p:cNvSpPr>
+            <a:spLocks noGrp="1"/>
+          </p:cNvSpPr>
+          <p:nvPr>
+            <p:ph type="body" sz="quarter" idx="12"/>
+          </p:nvPr>
+        </p:nvSpPr>
+        <p:spPr/>
+        <p:txBody>
+          <a:bodyPr/>
+          <a:lstStyle/>
+          <a:p>
+            <a:endParaRPr lang="zh-CN" altLang="en-US"/>
+          </a:p>
+        </p:txBody>
+      </p:sp>
+    </p:spTree>
+  </p:cSld>
+  <p:clrMapOvr>
+    <a:masterClrMapping/>
+  </p:clrMapOvr>
+  <mc:AlternateContent xmlns:mc="http://schemas.openxmlformats.org/markup-compatibility/2006" xmlns:p14="http://schemas.microsoft.com/office/powerpoint/2010/main">
+    <mc:Choice Requires="p14">
+      <p:transition spd="slow" p14:dur="800">
+        <p:circle/>
+      </p:transition>
+    </mc:Choice>
+    <mc:Fallback xmlns="">
+      <p:transition spd="slow">
+        <p:circle/>
       </p:transition>
     </mc:Fallback>
   </mc:AlternateContent>
@@ -19993,7 +20348,6 @@
               <a:rPr kumimoji="1" lang="zh-CN" altLang="en-US" dirty="0"/>
               <a:t>项目说明</a:t>
             </a:r>
-            <a:endParaRPr kumimoji="1" lang="zh-CN" altLang="en-US" dirty="0"/>
           </a:p>
         </p:txBody>
       </p:sp>
@@ -20325,13 +20679,13 @@
   <p:clrMapOvr>
     <a:masterClrMapping/>
   </p:clrMapOvr>
-  <mc:AlternateContent xmlns:mc="http://schemas.openxmlformats.org/markup-compatibility/2006">
-    <mc:Choice xmlns:p14="http://schemas.microsoft.com/office/powerpoint/2010/main" Requires="p14">
+  <mc:AlternateContent xmlns:mc="http://schemas.openxmlformats.org/markup-compatibility/2006" xmlns:p14="http://schemas.microsoft.com/office/powerpoint/2010/main">
+    <mc:Choice Requires="p14">
       <p:transition spd="med" p14:dur="700">
         <p:fade/>
       </p:transition>
     </mc:Choice>
-    <mc:Fallback>
+    <mc:Fallback xmlns="">
       <p:transition spd="med">
         <p:fade/>
       </p:transition>
@@ -22447,11 +22801,6 @@
                   </a:rPr>
                   <a:t>术语说明</a:t>
                 </a:r>
-                <a:endParaRPr lang="zh-CN" altLang="en-US" sz="2400" dirty="0">
-                  <a:solidFill>
-                    <a:srgbClr val="000000"/>
-                  </a:solidFill>
-                </a:endParaRPr>
               </a:p>
             </p:txBody>
           </p:sp>
@@ -22517,16 +22866,6 @@
                   </a:rPr>
                   <a:t>爬虫：</a:t>
                 </a:r>
-                <a:endParaRPr lang="zh-CN" altLang="en-US" sz="1300" dirty="0">
-                  <a:solidFill>
-                    <a:srgbClr val="000000">
-                      <a:lumMod val="50000"/>
-                      <a:lumOff val="50000"/>
-                    </a:srgbClr>
-                  </a:solidFill>
-                  <a:latin typeface="微软雅黑" panose="020B0503020204020204" charset="-122"/>
-                  <a:ea typeface="微软雅黑" panose="020B0503020204020204" charset="-122"/>
-                </a:endParaRPr>
               </a:p>
               <a:p>
                 <a:pPr defTabSz="914400">
@@ -22548,16 +22887,6 @@
                   </a:rPr>
                   <a:t> 爬取网页内容的模块</a:t>
                 </a:r>
-                <a:endParaRPr lang="zh-CN" altLang="en-US" sz="1300" dirty="0">
-                  <a:solidFill>
-                    <a:srgbClr val="000000">
-                      <a:lumMod val="50000"/>
-                      <a:lumOff val="50000"/>
-                    </a:srgbClr>
-                  </a:solidFill>
-                  <a:latin typeface="微软雅黑" panose="020B0503020204020204" charset="-122"/>
-                  <a:ea typeface="微软雅黑" panose="020B0503020204020204" charset="-122"/>
-                </a:endParaRPr>
               </a:p>
               <a:p>
                 <a:pPr marL="285750" indent="-285750" defTabSz="914400">
@@ -22594,16 +22923,6 @@
                   </a:rPr>
                   <a:t> Engine: </a:t>
                 </a:r>
-                <a:endParaRPr lang="en-US" altLang="zh-CN" sz="1300" dirty="0">
-                  <a:solidFill>
-                    <a:srgbClr val="000000">
-                      <a:lumMod val="50000"/>
-                      <a:lumOff val="50000"/>
-                    </a:srgbClr>
-                  </a:solidFill>
-                  <a:latin typeface="微软雅黑" panose="020B0503020204020204" charset="-122"/>
-                  <a:ea typeface="微软雅黑" panose="020B0503020204020204" charset="-122"/>
-                </a:endParaRPr>
               </a:p>
               <a:p>
                 <a:pPr defTabSz="914400">
@@ -22671,16 +22990,6 @@
                   </a:rPr>
                   <a:t>:</a:t>
                 </a:r>
-                <a:endParaRPr lang="en-US" altLang="zh-CN" sz="1200" dirty="0">
-                  <a:solidFill>
-                    <a:srgbClr val="000000">
-                      <a:lumMod val="50000"/>
-                      <a:lumOff val="50000"/>
-                    </a:srgbClr>
-                  </a:solidFill>
-                  <a:latin typeface="微软雅黑" panose="020B0503020204020204" charset="-122"/>
-                  <a:ea typeface="微软雅黑" panose="020B0503020204020204" charset="-122"/>
-                </a:endParaRPr>
               </a:p>
               <a:p>
                 <a:pPr defTabSz="914400">
@@ -22854,16 +23163,6 @@
                 </a:rPr>
                 <a:t>: </a:t>
               </a:r>
-              <a:endParaRPr lang="en-US" altLang="zh-CN" sz="1300" dirty="0">
-                <a:solidFill>
-                  <a:srgbClr val="000000">
-                    <a:lumMod val="50000"/>
-                    <a:lumOff val="50000"/>
-                  </a:srgbClr>
-                </a:solidFill>
-                <a:latin typeface="微软雅黑" panose="020B0503020204020204" charset="-122"/>
-                <a:ea typeface="微软雅黑" panose="020B0503020204020204" charset="-122"/>
-              </a:endParaRPr>
             </a:p>
             <a:p>
               <a:pPr defTabSz="914400">
@@ -22911,16 +23210,6 @@
                 </a:rPr>
                 <a:t>并将他们入队，以便之后引擎请求他们时提供给引擎。</a:t>
               </a:r>
-              <a:endParaRPr lang="zh-CN" altLang="en-US" sz="1300" dirty="0">
-                <a:solidFill>
-                  <a:srgbClr val="000000">
-                    <a:lumMod val="50000"/>
-                    <a:lumOff val="50000"/>
-                  </a:srgbClr>
-                </a:solidFill>
-                <a:latin typeface="微软雅黑" panose="020B0503020204020204" charset="-122"/>
-                <a:ea typeface="微软雅黑" panose="020B0503020204020204" charset="-122"/>
-              </a:endParaRPr>
             </a:p>
             <a:p>
               <a:pPr marL="285750" indent="-285750" defTabSz="914400">
@@ -22957,16 +23246,6 @@
                 </a:rPr>
                 <a:t>: </a:t>
               </a:r>
-              <a:endParaRPr lang="en-US" altLang="zh-CN" sz="1300" dirty="0">
-                <a:solidFill>
-                  <a:srgbClr val="000000">
-                    <a:lumMod val="50000"/>
-                    <a:lumOff val="50000"/>
-                  </a:srgbClr>
-                </a:solidFill>
-                <a:latin typeface="微软雅黑" panose="020B0503020204020204" charset="-122"/>
-                <a:ea typeface="微软雅黑" panose="020B0503020204020204" charset="-122"/>
-              </a:endParaRPr>
             </a:p>
             <a:p>
               <a:pPr defTabSz="914400">
@@ -23319,16 +23598,6 @@
                 </a:rPr>
                 <a:t>Spiders:</a:t>
               </a:r>
-              <a:endParaRPr lang="en-US" altLang="zh-CN" sz="1200" dirty="0">
-                <a:solidFill>
-                  <a:srgbClr val="000000">
-                    <a:lumMod val="50000"/>
-                    <a:lumOff val="50000"/>
-                  </a:srgbClr>
-                </a:solidFill>
-                <a:latin typeface="微软雅黑" panose="020B0503020204020204" charset="-122"/>
-                <a:ea typeface="微软雅黑" panose="020B0503020204020204" charset="-122"/>
-              </a:endParaRPr>
             </a:p>
             <a:p>
               <a:pPr defTabSz="914400">
@@ -24005,16 +24274,6 @@
                 </a:rPr>
                 <a:t>。</a:t>
               </a:r>
-              <a:endParaRPr lang="zh-CN" altLang="en-US" sz="1300" dirty="0">
-                <a:solidFill>
-                  <a:srgbClr val="000000">
-                    <a:lumMod val="50000"/>
-                    <a:lumOff val="50000"/>
-                  </a:srgbClr>
-                </a:solidFill>
-                <a:latin typeface="微软雅黑" panose="020B0503020204020204" charset="-122"/>
-                <a:ea typeface="微软雅黑" panose="020B0503020204020204" charset="-122"/>
-              </a:endParaRPr>
             </a:p>
             <a:p>
               <a:pPr marL="285750" indent="-285750" defTabSz="914400">
@@ -24140,13 +24399,13 @@
   <p:clrMapOvr>
     <a:masterClrMapping/>
   </p:clrMapOvr>
-  <mc:AlternateContent xmlns:mc="http://schemas.openxmlformats.org/markup-compatibility/2006">
-    <mc:Choice xmlns:p14="http://schemas.microsoft.com/office/powerpoint/2010/main" Requires="p14">
+  <mc:AlternateContent xmlns:mc="http://schemas.openxmlformats.org/markup-compatibility/2006" xmlns:p14="http://schemas.microsoft.com/office/powerpoint/2010/main">
+    <mc:Choice Requires="p14">
       <p:transition spd="med" p14:dur="700" advTm="11355">
         <p:fade/>
       </p:transition>
     </mc:Choice>
-    <mc:Fallback>
+    <mc:Fallback xmlns="">
       <p:transition spd="med" advTm="11355">
         <p:fade/>
       </p:transition>
@@ -24593,7 +24852,6 @@
               <a:rPr kumimoji="1" lang="zh-CN" altLang="en-US" dirty="0"/>
               <a:t>任务概述</a:t>
             </a:r>
-            <a:endParaRPr kumimoji="1" lang="zh-CN" altLang="en-US" dirty="0"/>
           </a:p>
         </p:txBody>
       </p:sp>
@@ -24891,13 +25149,13 @@
   <p:clrMapOvr>
     <a:masterClrMapping/>
   </p:clrMapOvr>
-  <mc:AlternateContent xmlns:mc="http://schemas.openxmlformats.org/markup-compatibility/2006">
-    <mc:Choice xmlns:p14="http://schemas.microsoft.com/office/powerpoint/2010/main" Requires="p14">
+  <mc:AlternateContent xmlns:mc="http://schemas.openxmlformats.org/markup-compatibility/2006" xmlns:p14="http://schemas.microsoft.com/office/powerpoint/2010/main">
+    <mc:Choice Requires="p14">
       <p:transition spd="med" p14:dur="700">
         <p:fade/>
       </p:transition>
     </mc:Choice>
-    <mc:Fallback>
+    <mc:Fallback xmlns="">
       <p:transition spd="med">
         <p:fade/>
       </p:transition>
@@ -25164,13 +25422,13 @@
   <p:clrMapOvr>
     <a:masterClrMapping/>
   </p:clrMapOvr>
-  <mc:AlternateContent xmlns:mc="http://schemas.openxmlformats.org/markup-compatibility/2006">
-    <mc:Choice xmlns:p14="http://schemas.microsoft.com/office/powerpoint/2010/main" Requires="p14">
+  <mc:AlternateContent xmlns:mc="http://schemas.openxmlformats.org/markup-compatibility/2006" xmlns:p14="http://schemas.microsoft.com/office/powerpoint/2010/main">
+    <mc:Choice Requires="p14">
       <p:transition spd="med" p14:dur="700">
         <p:fade/>
       </p:transition>
     </mc:Choice>
-    <mc:Fallback>
+    <mc:Fallback xmlns="">
       <p:transition spd="med">
         <p:fade/>
       </p:transition>
@@ -25317,6 +25575,96 @@
               </a:rPr>
               <a:t>python</a:t>
             </a:r>
+          </a:p>
+          <a:p>
+            <a:pPr lvl="0" algn="just">
+              <a:spcBef>
+                <a:spcPts val="1200"/>
+              </a:spcBef>
+              <a:spcAft>
+                <a:spcPts val="0"/>
+              </a:spcAft>
+            </a:pPr>
+            <a:r>
+              <a:rPr lang="zh-CN" altLang="en-US" sz="1600" kern="100" dirty="0">
+                <a:latin typeface="+mn-ea"/>
+                <a:cs typeface="Times New Roman" panose="02020603050405020304" pitchFamily="18" charset="0"/>
+              </a:rPr>
+              <a:t>开发工具：  主流的</a:t>
+            </a:r>
+            <a:r>
+              <a:rPr lang="en-US" altLang="zh-CN" sz="1600" kern="100" dirty="0">
+                <a:latin typeface="+mn-ea"/>
+                <a:cs typeface="Times New Roman" panose="02020603050405020304" pitchFamily="18" charset="0"/>
+              </a:rPr>
+              <a:t>python IDE</a:t>
+            </a:r>
+            <a:r>
+              <a:rPr lang="zh-CN" altLang="en-US" sz="1600" kern="100" dirty="0">
+                <a:latin typeface="+mn-ea"/>
+                <a:cs typeface="Times New Roman" panose="02020603050405020304" pitchFamily="18" charset="0"/>
+              </a:rPr>
+              <a:t>、文本编辑器</a:t>
+            </a:r>
+          </a:p>
+          <a:p>
+            <a:pPr lvl="0" algn="just">
+              <a:spcBef>
+                <a:spcPts val="1200"/>
+              </a:spcBef>
+              <a:spcAft>
+                <a:spcPts val="0"/>
+              </a:spcAft>
+            </a:pPr>
+            <a:r>
+              <a:rPr lang="zh-CN" altLang="en-US" sz="1600" kern="100" dirty="0">
+                <a:latin typeface="+mn-ea"/>
+                <a:cs typeface="Times New Roman" panose="02020603050405020304" pitchFamily="18" charset="0"/>
+              </a:rPr>
+              <a:t>开发模型：  敏捷开发模型</a:t>
+            </a:r>
+          </a:p>
+          <a:p>
+            <a:pPr lvl="0" algn="just">
+              <a:spcBef>
+                <a:spcPts val="1200"/>
+              </a:spcBef>
+              <a:spcAft>
+                <a:spcPts val="0"/>
+              </a:spcAft>
+            </a:pPr>
+            <a:r>
+              <a:rPr lang="zh-CN" altLang="en-US" sz="1600" kern="100" dirty="0">
+                <a:latin typeface="+mn-ea"/>
+                <a:cs typeface="Times New Roman" panose="02020603050405020304" pitchFamily="18" charset="0"/>
+              </a:rPr>
+              <a:t>遵循规范：  软件开发过程遵循软件工程规范，对过程和版本进行管理和控制</a:t>
+            </a:r>
+            <a:endParaRPr lang="en-US" altLang="zh-CN" sz="1600" kern="100" dirty="0">
+              <a:latin typeface="+mn-ea"/>
+              <a:cs typeface="Times New Roman" panose="02020603050405020304" pitchFamily="18" charset="0"/>
+            </a:endParaRPr>
+          </a:p>
+          <a:p>
+            <a:pPr algn="just">
+              <a:spcBef>
+                <a:spcPts val="1200"/>
+              </a:spcBef>
+            </a:pPr>
+            <a:r>
+              <a:rPr lang="zh-CN" altLang="en-US" sz="1600" kern="100" dirty="0">
+                <a:latin typeface="+mn-ea"/>
+                <a:cs typeface="Times New Roman" panose="02020603050405020304" pitchFamily="18" charset="0"/>
+              </a:rPr>
+              <a:t>版本控制工具：  </a:t>
+            </a:r>
+            <a:r>
+              <a:rPr lang="en-US" altLang="zh-CN" sz="1600" kern="100" dirty="0" err="1">
+                <a:latin typeface="+mn-ea"/>
+                <a:cs typeface="Times New Roman" panose="02020603050405020304" pitchFamily="18" charset="0"/>
+              </a:rPr>
+              <a:t>gitlab</a:t>
+            </a:r>
             <a:endParaRPr lang="en-US" altLang="zh-CN" sz="1600" kern="100" dirty="0">
               <a:latin typeface="+mn-ea"/>
               <a:cs typeface="Times New Roman" panose="02020603050405020304" pitchFamily="18" charset="0"/>
@@ -25336,108 +25684,6 @@
                 <a:latin typeface="+mn-ea"/>
                 <a:cs typeface="Times New Roman" panose="02020603050405020304" pitchFamily="18" charset="0"/>
               </a:rPr>
-              <a:t>开发工具：  主流的</a:t>
-            </a:r>
-            <a:r>
-              <a:rPr lang="en-US" altLang="zh-CN" sz="1600" kern="100" dirty="0">
-                <a:latin typeface="+mn-ea"/>
-                <a:cs typeface="Times New Roman" panose="02020603050405020304" pitchFamily="18" charset="0"/>
-              </a:rPr>
-              <a:t>python IDE</a:t>
-            </a:r>
-            <a:r>
-              <a:rPr lang="zh-CN" altLang="en-US" sz="1600" kern="100" dirty="0">
-                <a:latin typeface="+mn-ea"/>
-                <a:cs typeface="Times New Roman" panose="02020603050405020304" pitchFamily="18" charset="0"/>
-              </a:rPr>
-              <a:t>、文本编辑器</a:t>
-            </a:r>
-            <a:endParaRPr lang="zh-CN" altLang="en-US" sz="1600" kern="100" dirty="0">
-              <a:latin typeface="+mn-ea"/>
-              <a:cs typeface="Times New Roman" panose="02020603050405020304" pitchFamily="18" charset="0"/>
-            </a:endParaRPr>
-          </a:p>
-          <a:p>
-            <a:pPr lvl="0" algn="just">
-              <a:spcBef>
-                <a:spcPts val="1200"/>
-              </a:spcBef>
-              <a:spcAft>
-                <a:spcPts val="0"/>
-              </a:spcAft>
-            </a:pPr>
-            <a:r>
-              <a:rPr lang="zh-CN" altLang="en-US" sz="1600" kern="100" dirty="0">
-                <a:latin typeface="+mn-ea"/>
-                <a:cs typeface="Times New Roman" panose="02020603050405020304" pitchFamily="18" charset="0"/>
-              </a:rPr>
-              <a:t>开发模型：  敏捷开发模型</a:t>
-            </a:r>
-            <a:endParaRPr lang="zh-CN" altLang="en-US" sz="1600" kern="100" dirty="0">
-              <a:latin typeface="+mn-ea"/>
-              <a:cs typeface="Times New Roman" panose="02020603050405020304" pitchFamily="18" charset="0"/>
-            </a:endParaRPr>
-          </a:p>
-          <a:p>
-            <a:pPr lvl="0" algn="just">
-              <a:spcBef>
-                <a:spcPts val="1200"/>
-              </a:spcBef>
-              <a:spcAft>
-                <a:spcPts val="0"/>
-              </a:spcAft>
-            </a:pPr>
-            <a:r>
-              <a:rPr lang="zh-CN" altLang="en-US" sz="1600" kern="100" dirty="0">
-                <a:latin typeface="+mn-ea"/>
-                <a:cs typeface="Times New Roman" panose="02020603050405020304" pitchFamily="18" charset="0"/>
-              </a:rPr>
-              <a:t>遵循规范：  软件开发过程遵循软件工程规范，对过程和版本进行管理和控制</a:t>
-            </a:r>
-            <a:endParaRPr lang="en-US" altLang="zh-CN" sz="1600" kern="100" dirty="0">
-              <a:latin typeface="+mn-ea"/>
-              <a:cs typeface="Times New Roman" panose="02020603050405020304" pitchFamily="18" charset="0"/>
-            </a:endParaRPr>
-          </a:p>
-          <a:p>
-            <a:pPr algn="just">
-              <a:spcBef>
-                <a:spcPts val="1200"/>
-              </a:spcBef>
-            </a:pPr>
-            <a:r>
-              <a:rPr lang="zh-CN" altLang="en-US" sz="1600" kern="100" dirty="0">
-                <a:latin typeface="+mn-ea"/>
-                <a:cs typeface="Times New Roman" panose="02020603050405020304" pitchFamily="18" charset="0"/>
-              </a:rPr>
-              <a:t>版本控制工具：  </a:t>
-            </a:r>
-            <a:r>
-              <a:rPr lang="en-US" altLang="zh-CN" sz="1600" kern="100" dirty="0" err="1">
-                <a:latin typeface="+mn-ea"/>
-                <a:cs typeface="Times New Roman" panose="02020603050405020304" pitchFamily="18" charset="0"/>
-              </a:rPr>
-              <a:t>gitlab</a:t>
-            </a:r>
-            <a:endParaRPr lang="en-US" altLang="zh-CN" sz="1600" kern="100" dirty="0">
-              <a:latin typeface="+mn-ea"/>
-              <a:cs typeface="Times New Roman" panose="02020603050405020304" pitchFamily="18" charset="0"/>
-            </a:endParaRPr>
-          </a:p>
-          <a:p>
-            <a:pPr lvl="0" algn="just">
-              <a:spcBef>
-                <a:spcPts val="1200"/>
-              </a:spcBef>
-              <a:spcAft>
-                <a:spcPts val="0"/>
-              </a:spcAft>
-            </a:pPr>
-            <a:r>
-              <a:rPr lang="zh-CN" altLang="en-US" sz="1600" kern="100" dirty="0">
-                <a:latin typeface="+mn-ea"/>
-                <a:cs typeface="Times New Roman" panose="02020603050405020304" pitchFamily="18" charset="0"/>
-              </a:rPr>
               <a:t>软件交付形式：  可引用的</a:t>
             </a:r>
             <a:r>
@@ -25494,13 +25740,13 @@
   <p:clrMapOvr>
     <a:masterClrMapping/>
   </p:clrMapOvr>
-  <mc:AlternateContent xmlns:mc="http://schemas.openxmlformats.org/markup-compatibility/2006">
-    <mc:Choice xmlns:p14="http://schemas.microsoft.com/office/powerpoint/2010/main" Requires="p14">
+  <mc:AlternateContent xmlns:mc="http://schemas.openxmlformats.org/markup-compatibility/2006" xmlns:p14="http://schemas.microsoft.com/office/powerpoint/2010/main">
+    <mc:Choice Requires="p14">
       <p:transition spd="med" p14:dur="700">
         <p:fade/>
       </p:transition>
     </mc:Choice>
-    <mc:Fallback>
+    <mc:Fallback xmlns="">
       <p:transition spd="med">
         <p:fade/>
       </p:transition>
